--- a/docs/vmx-docker-lwaftr.pptx
+++ b/docs/vmx-docker-lwaftr.pptx
@@ -104,6 +104,11 @@
       </a:defRPr>
     </a:lvl9pPr>
   </p:defaultTextStyle>
+  <p:extLst>
+    <p:ext uri="{EFAFB233-063F-42B5-8137-9DF3F51BA10A}">
+      <p15:sldGuideLst xmlns:p15="http://schemas.microsoft.com/office/powerpoint/2012/main"/>
+    </p:ext>
+  </p:extLst>
 </p:presentation>
 </file>
 
@@ -254,7 +259,7 @@
           <a:p>
             <a:fld id="{5659F9BE-60B6-C142-8802-BAD3446950BE}" type="datetimeFigureOut">
               <a:rPr lang="en-US" smtClean="0"/>
-              <a:t>11/17/18</a:t>
+              <a:t>11/18/18</a:t>
             </a:fld>
             <a:endParaRPr lang="en-US"/>
           </a:p>
@@ -452,7 +457,7 @@
           <a:p>
             <a:fld id="{5659F9BE-60B6-C142-8802-BAD3446950BE}" type="datetimeFigureOut">
               <a:rPr lang="en-US" smtClean="0"/>
-              <a:t>11/17/18</a:t>
+              <a:t>11/18/18</a:t>
             </a:fld>
             <a:endParaRPr lang="en-US"/>
           </a:p>
@@ -660,7 +665,7 @@
           <a:p>
             <a:fld id="{5659F9BE-60B6-C142-8802-BAD3446950BE}" type="datetimeFigureOut">
               <a:rPr lang="en-US" smtClean="0"/>
-              <a:t>11/17/18</a:t>
+              <a:t>11/18/18</a:t>
             </a:fld>
             <a:endParaRPr lang="en-US"/>
           </a:p>
@@ -858,7 +863,7 @@
           <a:p>
             <a:fld id="{5659F9BE-60B6-C142-8802-BAD3446950BE}" type="datetimeFigureOut">
               <a:rPr lang="en-US" smtClean="0"/>
-              <a:t>11/17/18</a:t>
+              <a:t>11/18/18</a:t>
             </a:fld>
             <a:endParaRPr lang="en-US"/>
           </a:p>
@@ -1133,7 +1138,7 @@
           <a:p>
             <a:fld id="{5659F9BE-60B6-C142-8802-BAD3446950BE}" type="datetimeFigureOut">
               <a:rPr lang="en-US" smtClean="0"/>
-              <a:t>11/17/18</a:t>
+              <a:t>11/18/18</a:t>
             </a:fld>
             <a:endParaRPr lang="en-US"/>
           </a:p>
@@ -1398,7 +1403,7 @@
           <a:p>
             <a:fld id="{5659F9BE-60B6-C142-8802-BAD3446950BE}" type="datetimeFigureOut">
               <a:rPr lang="en-US" smtClean="0"/>
-              <a:t>11/17/18</a:t>
+              <a:t>11/18/18</a:t>
             </a:fld>
             <a:endParaRPr lang="en-US"/>
           </a:p>
@@ -1810,7 +1815,7 @@
           <a:p>
             <a:fld id="{5659F9BE-60B6-C142-8802-BAD3446950BE}" type="datetimeFigureOut">
               <a:rPr lang="en-US" smtClean="0"/>
-              <a:t>11/17/18</a:t>
+              <a:t>11/18/18</a:t>
             </a:fld>
             <a:endParaRPr lang="en-US"/>
           </a:p>
@@ -1951,7 +1956,7 @@
           <a:p>
             <a:fld id="{5659F9BE-60B6-C142-8802-BAD3446950BE}" type="datetimeFigureOut">
               <a:rPr lang="en-US" smtClean="0"/>
-              <a:t>11/17/18</a:t>
+              <a:t>11/18/18</a:t>
             </a:fld>
             <a:endParaRPr lang="en-US"/>
           </a:p>
@@ -2064,7 +2069,7 @@
           <a:p>
             <a:fld id="{5659F9BE-60B6-C142-8802-BAD3446950BE}" type="datetimeFigureOut">
               <a:rPr lang="en-US" smtClean="0"/>
-              <a:t>11/17/18</a:t>
+              <a:t>11/18/18</a:t>
             </a:fld>
             <a:endParaRPr lang="en-US"/>
           </a:p>
@@ -2375,7 +2380,7 @@
           <a:p>
             <a:fld id="{5659F9BE-60B6-C142-8802-BAD3446950BE}" type="datetimeFigureOut">
               <a:rPr lang="en-US" smtClean="0"/>
-              <a:t>11/17/18</a:t>
+              <a:t>11/18/18</a:t>
             </a:fld>
             <a:endParaRPr lang="en-US"/>
           </a:p>
@@ -2663,7 +2668,7 @@
           <a:p>
             <a:fld id="{5659F9BE-60B6-C142-8802-BAD3446950BE}" type="datetimeFigureOut">
               <a:rPr lang="en-US" smtClean="0"/>
-              <a:t>11/17/18</a:t>
+              <a:t>11/18/18</a:t>
             </a:fld>
             <a:endParaRPr lang="en-US"/>
           </a:p>
@@ -2904,7 +2909,7 @@
           <a:p>
             <a:fld id="{5659F9BE-60B6-C142-8802-BAD3446950BE}" type="datetimeFigureOut">
               <a:rPr lang="en-US" smtClean="0"/>
-              <a:t>11/17/18</a:t>
+              <a:t>11/18/18</a:t>
             </a:fld>
             <a:endParaRPr lang="en-US"/>
           </a:p>
@@ -4542,31 +4547,6 @@
               <a:t>vMX</a:t>
             </a:r>
           </a:p>
-          <a:p>
-            <a:pPr algn="ctr"/>
-            <a:endParaRPr lang="en-US" dirty="0"/>
-          </a:p>
-          <a:p>
-            <a:pPr algn="ctr"/>
-            <a:r>
-              <a:rPr lang="en-US" dirty="0"/>
-              <a:t>BFD protected</a:t>
-            </a:r>
-          </a:p>
-          <a:p>
-            <a:pPr algn="ctr"/>
-            <a:r>
-              <a:rPr lang="en-US" dirty="0"/>
-              <a:t>BGP sessions</a:t>
-            </a:r>
-            <a:br>
-              <a:rPr lang="en-US" dirty="0"/>
-            </a:br>
-            <a:r>
-              <a:rPr lang="en-US" dirty="0"/>
-              <a:t>per interface</a:t>
-            </a:r>
-          </a:p>
         </p:txBody>
       </p:sp>
       <p:sp>
@@ -4985,6 +4965,99 @@
           </a:fontRef>
         </p:style>
       </p:cxnSp>
+      <p:cxnSp>
+        <p:nvCxnSpPr>
+          <p:cNvPr id="2" name="Straight Arrow Connector 1">
+            <a:extLst>
+              <a:ext uri="{FF2B5EF4-FFF2-40B4-BE49-F238E27FC236}">
+                <a16:creationId xmlns:a16="http://schemas.microsoft.com/office/drawing/2014/main" id="{F0946BDF-BF92-904A-BB0F-646A9B4613B3}"/>
+              </a:ext>
+            </a:extLst>
+          </p:cNvPr>
+          <p:cNvCxnSpPr>
+            <a:cxnSpLocks/>
+          </p:cNvCxnSpPr>
+          <p:nvPr/>
+        </p:nvCxnSpPr>
+        <p:spPr>
+          <a:xfrm>
+            <a:off x="2414418" y="5503333"/>
+            <a:ext cx="8011277" cy="0"/>
+          </a:xfrm>
+          <a:prstGeom prst="straightConnector1">
+            <a:avLst/>
+          </a:prstGeom>
+          <a:ln w="9525" cap="flat" cmpd="sng" algn="ctr">
+            <a:solidFill>
+              <a:schemeClr val="accent3"/>
+            </a:solidFill>
+            <a:prstDash val="solid"/>
+            <a:round/>
+            <a:headEnd type="arrow" w="med" len="med"/>
+            <a:tailEnd type="arrow" w="med" len="med"/>
+          </a:ln>
+        </p:spPr>
+        <p:style>
+          <a:lnRef idx="0">
+            <a:scrgbClr r="0" g="0" b="0"/>
+          </a:lnRef>
+          <a:fillRef idx="0">
+            <a:scrgbClr r="0" g="0" b="0"/>
+          </a:fillRef>
+          <a:effectRef idx="0">
+            <a:scrgbClr r="0" g="0" b="0"/>
+          </a:effectRef>
+          <a:fontRef idx="minor">
+            <a:schemeClr val="tx1"/>
+          </a:fontRef>
+        </p:style>
+      </p:cxnSp>
+      <p:sp>
+        <p:nvSpPr>
+          <p:cNvPr id="18" name="TextBox 17">
+            <a:extLst>
+              <a:ext uri="{FF2B5EF4-FFF2-40B4-BE49-F238E27FC236}">
+                <a16:creationId xmlns:a16="http://schemas.microsoft.com/office/drawing/2014/main" id="{6B2F5410-D397-3F4E-9C20-514B4E47F818}"/>
+              </a:ext>
+            </a:extLst>
+          </p:cNvPr>
+          <p:cNvSpPr txBox="1"/>
+          <p:nvPr/>
+        </p:nvSpPr>
+        <p:spPr>
+          <a:xfrm>
+            <a:off x="4482841" y="5246114"/>
+            <a:ext cx="4377993" cy="276999"/>
+          </a:xfrm>
+          <a:prstGeom prst="rect">
+            <a:avLst/>
+          </a:prstGeom>
+          <a:noFill/>
+        </p:spPr>
+        <p:txBody>
+          <a:bodyPr wrap="none" rtlCol="0">
+            <a:spAutoFit/>
+          </a:bodyPr>
+          <a:lstStyle>
+            <a:defPPr>
+              <a:defRPr lang="en-US"/>
+            </a:defPPr>
+            <a:lvl1pPr algn="ctr">
+              <a:defRPr sz="1200">
+                <a:solidFill>
+                  <a:schemeClr val="tx2"/>
+                </a:solidFill>
+              </a:defRPr>
+            </a:lvl1pPr>
+          </a:lstStyle>
+          <a:p>
+            <a:r>
+              <a:rPr lang="en-US" dirty="0"/>
+              <a:t>BFD protected BGP sessions per interface between DCGW and vMX</a:t>
+            </a:r>
+          </a:p>
+        </p:txBody>
+      </p:sp>
     </p:spTree>
     <p:extLst>
       <p:ext uri="{BB962C8B-B14F-4D97-AF65-F5344CB8AC3E}">

--- a/docs/vmx-docker-lwaftr.pptx
+++ b/docs/vmx-docker-lwaftr.pptx
@@ -112,6 +112,35 @@
 </p:presentation>
 </file>
 
+<file path=ppt/changesInfos/changesInfo1.xml><?xml version="1.0" encoding="utf-8"?>
+<pc:chgInfo xmlns:a="http://schemas.openxmlformats.org/drawingml/2006/main" xmlns:r="http://schemas.openxmlformats.org/officeDocument/2006/relationships" xmlns:ac="http://schemas.microsoft.com/office/drawing/2013/main/command" xmlns:pc="http://schemas.microsoft.com/office/powerpoint/2013/main/command">
+  <pc:docChgLst>
+    <pc:chgData name="Marcel Wiget" userId="36626830_tp_dropbox" providerId="OAuth2" clId="{10351ADE-79EB-5946-8507-C00C760595C1}"/>
+    <pc:docChg chg="undo custSel modSld">
+      <pc:chgData name="Marcel Wiget" userId="36626830_tp_dropbox" providerId="OAuth2" clId="{10351ADE-79EB-5946-8507-C00C760595C1}" dt="2018-11-20T13:57:36.145" v="5" actId="1042"/>
+      <pc:docMkLst>
+        <pc:docMk/>
+      </pc:docMkLst>
+      <pc:sldChg chg="addSp delSp modSp">
+        <pc:chgData name="Marcel Wiget" userId="36626830_tp_dropbox" providerId="OAuth2" clId="{10351ADE-79EB-5946-8507-C00C760595C1}" dt="2018-11-20T13:57:36.145" v="5" actId="1042"/>
+        <pc:sldMkLst>
+          <pc:docMk/>
+          <pc:sldMk cId="2691039461" sldId="256"/>
+        </pc:sldMkLst>
+        <pc:cxnChg chg="add del mod">
+          <ac:chgData name="Marcel Wiget" userId="36626830_tp_dropbox" providerId="OAuth2" clId="{10351ADE-79EB-5946-8507-C00C760595C1}" dt="2018-11-20T13:57:36.145" v="5" actId="1042"/>
+          <ac:cxnSpMkLst>
+            <pc:docMk/>
+            <pc:sldMk cId="2691039461" sldId="256"/>
+            <ac:cxnSpMk id="3" creationId="{A16DFFD6-26C5-E345-9FE8-BFBFB31C9ABD}"/>
+          </ac:cxnSpMkLst>
+        </pc:cxnChg>
+      </pc:sldChg>
+    </pc:docChg>
+  </pc:docChgLst>
+</pc:chgInfo>
+</file>
+
 <file path=ppt/slideLayouts/slideLayout1.xml><?xml version="1.0" encoding="utf-8"?>
 <p:sldLayout xmlns:a="http://schemas.openxmlformats.org/drawingml/2006/main" xmlns:r="http://schemas.openxmlformats.org/officeDocument/2006/relationships" xmlns:p="http://schemas.openxmlformats.org/presentationml/2006/main" type="title" preserve="1">
   <p:cSld name="Title Slide">
@@ -259,7 +288,7 @@
           <a:p>
             <a:fld id="{5659F9BE-60B6-C142-8802-BAD3446950BE}" type="datetimeFigureOut">
               <a:rPr lang="en-US" smtClean="0"/>
-              <a:t>11/18/18</a:t>
+              <a:t>11/21/18</a:t>
             </a:fld>
             <a:endParaRPr lang="en-US"/>
           </a:p>
@@ -457,7 +486,7 @@
           <a:p>
             <a:fld id="{5659F9BE-60B6-C142-8802-BAD3446950BE}" type="datetimeFigureOut">
               <a:rPr lang="en-US" smtClean="0"/>
-              <a:t>11/18/18</a:t>
+              <a:t>11/21/18</a:t>
             </a:fld>
             <a:endParaRPr lang="en-US"/>
           </a:p>
@@ -665,7 +694,7 @@
           <a:p>
             <a:fld id="{5659F9BE-60B6-C142-8802-BAD3446950BE}" type="datetimeFigureOut">
               <a:rPr lang="en-US" smtClean="0"/>
-              <a:t>11/18/18</a:t>
+              <a:t>11/21/18</a:t>
             </a:fld>
             <a:endParaRPr lang="en-US"/>
           </a:p>
@@ -863,7 +892,7 @@
           <a:p>
             <a:fld id="{5659F9BE-60B6-C142-8802-BAD3446950BE}" type="datetimeFigureOut">
               <a:rPr lang="en-US" smtClean="0"/>
-              <a:t>11/18/18</a:t>
+              <a:t>11/21/18</a:t>
             </a:fld>
             <a:endParaRPr lang="en-US"/>
           </a:p>
@@ -1138,7 +1167,7 @@
           <a:p>
             <a:fld id="{5659F9BE-60B6-C142-8802-BAD3446950BE}" type="datetimeFigureOut">
               <a:rPr lang="en-US" smtClean="0"/>
-              <a:t>11/18/18</a:t>
+              <a:t>11/21/18</a:t>
             </a:fld>
             <a:endParaRPr lang="en-US"/>
           </a:p>
@@ -1403,7 +1432,7 @@
           <a:p>
             <a:fld id="{5659F9BE-60B6-C142-8802-BAD3446950BE}" type="datetimeFigureOut">
               <a:rPr lang="en-US" smtClean="0"/>
-              <a:t>11/18/18</a:t>
+              <a:t>11/21/18</a:t>
             </a:fld>
             <a:endParaRPr lang="en-US"/>
           </a:p>
@@ -1815,7 +1844,7 @@
           <a:p>
             <a:fld id="{5659F9BE-60B6-C142-8802-BAD3446950BE}" type="datetimeFigureOut">
               <a:rPr lang="en-US" smtClean="0"/>
-              <a:t>11/18/18</a:t>
+              <a:t>11/21/18</a:t>
             </a:fld>
             <a:endParaRPr lang="en-US"/>
           </a:p>
@@ -1956,7 +1985,7 @@
           <a:p>
             <a:fld id="{5659F9BE-60B6-C142-8802-BAD3446950BE}" type="datetimeFigureOut">
               <a:rPr lang="en-US" smtClean="0"/>
-              <a:t>11/18/18</a:t>
+              <a:t>11/21/18</a:t>
             </a:fld>
             <a:endParaRPr lang="en-US"/>
           </a:p>
@@ -2069,7 +2098,7 @@
           <a:p>
             <a:fld id="{5659F9BE-60B6-C142-8802-BAD3446950BE}" type="datetimeFigureOut">
               <a:rPr lang="en-US" smtClean="0"/>
-              <a:t>11/18/18</a:t>
+              <a:t>11/21/18</a:t>
             </a:fld>
             <a:endParaRPr lang="en-US"/>
           </a:p>
@@ -2380,7 +2409,7 @@
           <a:p>
             <a:fld id="{5659F9BE-60B6-C142-8802-BAD3446950BE}" type="datetimeFigureOut">
               <a:rPr lang="en-US" smtClean="0"/>
-              <a:t>11/18/18</a:t>
+              <a:t>11/21/18</a:t>
             </a:fld>
             <a:endParaRPr lang="en-US"/>
           </a:p>
@@ -2668,7 +2697,7 @@
           <a:p>
             <a:fld id="{5659F9BE-60B6-C142-8802-BAD3446950BE}" type="datetimeFigureOut">
               <a:rPr lang="en-US" smtClean="0"/>
-              <a:t>11/18/18</a:t>
+              <a:t>11/21/18</a:t>
             </a:fld>
             <a:endParaRPr lang="en-US"/>
           </a:p>
@@ -2909,7 +2938,7 @@
           <a:p>
             <a:fld id="{5659F9BE-60B6-C142-8802-BAD3446950BE}" type="datetimeFigureOut">
               <a:rPr lang="en-US" smtClean="0"/>
-              <a:t>11/18/18</a:t>
+              <a:t>11/21/18</a:t>
             </a:fld>
             <a:endParaRPr lang="en-US"/>
           </a:p>
@@ -3326,42 +3355,6 @@
           <a:chExt cx="0" cy="0"/>
         </a:xfrm>
       </p:grpSpPr>
-      <p:pic>
-        <p:nvPicPr>
-          <p:cNvPr id="94" name="Picture 93" descr="cloud_gry.pngdd">
-            <a:extLst>
-              <a:ext uri="{FF2B5EF4-FFF2-40B4-BE49-F238E27FC236}">
-                <a16:creationId xmlns:a16="http://schemas.microsoft.com/office/drawing/2014/main" id="{4A56E900-B999-9243-9F7F-D4E0C991CC07}"/>
-              </a:ext>
-            </a:extLst>
-          </p:cNvPr>
-          <p:cNvPicPr>
-            <a:picLocks noChangeAspect="1"/>
-          </p:cNvPicPr>
-          <p:nvPr/>
-        </p:nvPicPr>
-        <p:blipFill>
-          <a:blip r:embed="rId2" cstate="screen">
-            <a:extLst>
-              <a:ext uri="{28A0092B-C50C-407E-A947-70E740481C1C}">
-                <a14:useLocalDpi xmlns:a14="http://schemas.microsoft.com/office/drawing/2010/main"/>
-              </a:ext>
-            </a:extLst>
-          </a:blip>
-          <a:stretch>
-            <a:fillRect/>
-          </a:stretch>
-        </p:blipFill>
-        <p:spPr>
-          <a:xfrm>
-            <a:off x="669804" y="3557162"/>
-            <a:ext cx="1232535" cy="655320"/>
-          </a:xfrm>
-          <a:prstGeom prst="rect">
-            <a:avLst/>
-          </a:prstGeom>
-        </p:spPr>
-      </p:pic>
       <p:sp>
         <p:nvSpPr>
           <p:cNvPr id="4" name="Rectangle 3">
@@ -3918,42 +3911,6 @@
           </a:fontRef>
         </p:style>
       </p:cxnSp>
-      <p:pic>
-        <p:nvPicPr>
-          <p:cNvPr id="26" name="Picture 25" descr="Generic_logical Router.png">
-            <a:extLst>
-              <a:ext uri="{FF2B5EF4-FFF2-40B4-BE49-F238E27FC236}">
-                <a16:creationId xmlns:a16="http://schemas.microsoft.com/office/drawing/2014/main" id="{4D78012F-FEB8-E047-AB9F-FF8D315CE7D3}"/>
-              </a:ext>
-            </a:extLst>
-          </p:cNvPr>
-          <p:cNvPicPr>
-            <a:picLocks noChangeAspect="1"/>
-          </p:cNvPicPr>
-          <p:nvPr/>
-        </p:nvPicPr>
-        <p:blipFill>
-          <a:blip r:embed="rId3">
-            <a:extLst>
-              <a:ext uri="{28A0092B-C50C-407E-A947-70E740481C1C}">
-                <a14:useLocalDpi xmlns:a14="http://schemas.microsoft.com/office/drawing/2010/main" val="0"/>
-              </a:ext>
-            </a:extLst>
-          </a:blip>
-          <a:stretch>
-            <a:fillRect/>
-          </a:stretch>
-        </p:blipFill>
-        <p:spPr>
-          <a:xfrm>
-            <a:off x="1827488" y="3523693"/>
-            <a:ext cx="948449" cy="948449"/>
-          </a:xfrm>
-          <a:prstGeom prst="rect">
-            <a:avLst/>
-          </a:prstGeom>
-        </p:spPr>
-      </p:pic>
       <p:sp>
         <p:nvSpPr>
           <p:cNvPr id="37" name="Rectangle 36">
@@ -4148,27 +4105,25 @@
         </p:nvSpPr>
         <p:spPr>
           <a:xfrm>
-            <a:off x="3666059" y="1364808"/>
-            <a:ext cx="1549830" cy="475488"/>
+            <a:off x="3666059" y="1109385"/>
+            <a:ext cx="1549830" cy="730911"/>
           </a:xfrm>
           <a:prstGeom prst="flowChartDocument">
             <a:avLst/>
           </a:prstGeom>
         </p:spPr>
         <p:style>
-          <a:lnRef idx="2">
-            <a:schemeClr val="accent6">
-              <a:shade val="50000"/>
-            </a:schemeClr>
+          <a:lnRef idx="1">
+            <a:schemeClr val="accent6"/>
           </a:lnRef>
-          <a:fillRef idx="1">
+          <a:fillRef idx="2">
             <a:schemeClr val="accent6"/>
           </a:fillRef>
-          <a:effectRef idx="0">
+          <a:effectRef idx="1">
             <a:schemeClr val="accent6"/>
           </a:effectRef>
           <a:fontRef idx="minor">
-            <a:schemeClr val="lt1"/>
+            <a:schemeClr val="dk1"/>
           </a:fontRef>
         </p:style>
         <p:txBody>
@@ -4178,7 +4133,7 @@
             <a:pPr algn="ctr"/>
             <a:r>
               <a:rPr lang="en-US" dirty="0"/>
-              <a:t>Snabb config</a:t>
+              <a:t>Native Snabb Config</a:t>
             </a:r>
           </a:p>
         </p:txBody>
@@ -4201,8 +4156,8 @@
         </p:nvCxnSpPr>
         <p:spPr>
           <a:xfrm>
-            <a:off x="4440974" y="1808861"/>
-            <a:ext cx="0" cy="303262"/>
+            <a:off x="4440974" y="1791975"/>
+            <a:ext cx="0" cy="320148"/>
           </a:xfrm>
           <a:prstGeom prst="line">
             <a:avLst/>
@@ -4354,8 +4309,8 @@
         </p:nvCxnSpPr>
         <p:spPr>
           <a:xfrm>
-            <a:off x="10465853" y="1808861"/>
-            <a:ext cx="0" cy="248451"/>
+            <a:off x="10465853" y="1791975"/>
+            <a:ext cx="0" cy="265337"/>
           </a:xfrm>
           <a:prstGeom prst="line">
             <a:avLst/>
@@ -4397,30 +4352,25 @@
         </p:nvSpPr>
         <p:spPr>
           <a:xfrm>
-            <a:off x="9690938" y="1364808"/>
-            <a:ext cx="1549830" cy="475488"/>
+            <a:off x="9690938" y="1109385"/>
+            <a:ext cx="1549830" cy="730911"/>
           </a:xfrm>
           <a:prstGeom prst="flowChartDocument">
             <a:avLst/>
           </a:prstGeom>
-          <a:solidFill>
-            <a:schemeClr val="tx2"/>
-          </a:solidFill>
         </p:spPr>
         <p:style>
-          <a:lnRef idx="2">
-            <a:schemeClr val="accent6">
-              <a:shade val="50000"/>
-            </a:schemeClr>
+          <a:lnRef idx="1">
+            <a:schemeClr val="accent1"/>
           </a:lnRef>
-          <a:fillRef idx="1">
-            <a:schemeClr val="accent6"/>
+          <a:fillRef idx="2">
+            <a:schemeClr val="accent1"/>
           </a:fillRef>
-          <a:effectRef idx="0">
-            <a:schemeClr val="accent6"/>
+          <a:effectRef idx="1">
+            <a:schemeClr val="accent1"/>
           </a:effectRef>
           <a:fontRef idx="minor">
-            <a:schemeClr val="lt1"/>
+            <a:schemeClr val="dk1"/>
           </a:fontRef>
         </p:style>
         <p:txBody>
@@ -4430,7 +4380,7 @@
             <a:pPr algn="ctr"/>
             <a:r>
               <a:rPr lang="en-US" dirty="0"/>
-              <a:t>Junos config</a:t>
+              <a:t>Native Junos Config</a:t>
             </a:r>
           </a:p>
         </p:txBody>
@@ -4492,65 +4442,6 @@
       </p:sp>
       <p:sp>
         <p:nvSpPr>
-          <p:cNvPr id="8" name="Rectangle 7">
-            <a:extLst>
-              <a:ext uri="{FF2B5EF4-FFF2-40B4-BE49-F238E27FC236}">
-                <a16:creationId xmlns:a16="http://schemas.microsoft.com/office/drawing/2014/main" id="{D7014436-132E-4746-80C3-83893783F25C}"/>
-              </a:ext>
-            </a:extLst>
-          </p:cNvPr>
-          <p:cNvSpPr/>
-          <p:nvPr/>
-        </p:nvSpPr>
-        <p:spPr>
-          <a:xfrm>
-            <a:off x="9569741" y="2057312"/>
-            <a:ext cx="1792224" cy="3069257"/>
-          </a:xfrm>
-          <a:prstGeom prst="rect">
-            <a:avLst/>
-          </a:prstGeom>
-          <a:solidFill>
-            <a:schemeClr val="tx2"/>
-          </a:solidFill>
-        </p:spPr>
-        <p:style>
-          <a:lnRef idx="2">
-            <a:schemeClr val="accent1">
-              <a:shade val="50000"/>
-            </a:schemeClr>
-          </a:lnRef>
-          <a:fillRef idx="1">
-            <a:schemeClr val="accent1"/>
-          </a:fillRef>
-          <a:effectRef idx="0">
-            <a:schemeClr val="accent1"/>
-          </a:effectRef>
-          <a:fontRef idx="minor">
-            <a:schemeClr val="lt1"/>
-          </a:fontRef>
-        </p:style>
-        <p:txBody>
-          <a:bodyPr rtlCol="0" anchor="ctr"/>
-          <a:lstStyle/>
-          <a:p>
-            <a:pPr algn="ctr"/>
-            <a:r>
-              <a:rPr lang="en-US" dirty="0"/>
-              <a:t>Juniper</a:t>
-            </a:r>
-          </a:p>
-          <a:p>
-            <a:pPr algn="ctr"/>
-            <a:r>
-              <a:rPr lang="en-US" dirty="0"/>
-              <a:t>vMX</a:t>
-            </a:r>
-          </a:p>
-        </p:txBody>
-      </p:sp>
-      <p:sp>
-        <p:nvSpPr>
           <p:cNvPr id="84" name="TextBox 83">
             <a:extLst>
               <a:ext uri="{FF2B5EF4-FFF2-40B4-BE49-F238E27FC236}">
@@ -4563,7 +4454,7 @@
         </p:nvSpPr>
         <p:spPr>
           <a:xfrm>
-            <a:off x="6095018" y="3048205"/>
+            <a:off x="6092624" y="2980225"/>
             <a:ext cx="2721579" cy="276999"/>
           </a:xfrm>
           <a:prstGeom prst="rect">
@@ -4603,7 +4494,7 @@
         </p:nvSpPr>
         <p:spPr>
           <a:xfrm>
-            <a:off x="6095018" y="3662194"/>
+            <a:off x="6092624" y="3594214"/>
             <a:ext cx="2721579" cy="276999"/>
           </a:xfrm>
           <a:prstGeom prst="rect">
@@ -4643,7 +4534,7 @@
         </p:nvSpPr>
         <p:spPr>
           <a:xfrm>
-            <a:off x="6095018" y="4611829"/>
+            <a:off x="6092624" y="4543849"/>
             <a:ext cx="2721579" cy="276999"/>
           </a:xfrm>
           <a:prstGeom prst="rect">
@@ -4989,12 +4880,12 @@
           </a:prstGeom>
           <a:ln w="9525" cap="flat" cmpd="sng" algn="ctr">
             <a:solidFill>
-              <a:schemeClr val="accent3"/>
+              <a:schemeClr val="dk1"/>
             </a:solidFill>
-            <a:prstDash val="solid"/>
+            <a:prstDash val="dash"/>
             <a:round/>
-            <a:headEnd type="arrow" w="med" len="med"/>
-            <a:tailEnd type="arrow" w="med" len="med"/>
+            <a:headEnd type="arrow" w="lg" len="lg"/>
+            <a:tailEnd type="arrow" w="lg" len="lg"/>
           </a:ln>
         </p:spPr>
         <p:style>
@@ -5026,7 +4917,7 @@
         </p:nvSpPr>
         <p:spPr>
           <a:xfrm>
-            <a:off x="4482841" y="5246114"/>
+            <a:off x="4482841" y="5178056"/>
             <a:ext cx="4377993" cy="276999"/>
           </a:xfrm>
           <a:prstGeom prst="rect">
@@ -5058,6 +4949,455 @@
           </a:p>
         </p:txBody>
       </p:sp>
+      <p:cxnSp>
+        <p:nvCxnSpPr>
+          <p:cNvPr id="9" name="Straight Connector 8">
+            <a:extLst>
+              <a:ext uri="{FF2B5EF4-FFF2-40B4-BE49-F238E27FC236}">
+                <a16:creationId xmlns:a16="http://schemas.microsoft.com/office/drawing/2014/main" id="{A8050F55-19DD-0040-AD2D-4B072F7C0CB0}"/>
+              </a:ext>
+            </a:extLst>
+          </p:cNvPr>
+          <p:cNvCxnSpPr>
+            <a:cxnSpLocks/>
+          </p:cNvCxnSpPr>
+          <p:nvPr/>
+        </p:nvCxnSpPr>
+        <p:spPr>
+          <a:xfrm flipV="1">
+            <a:off x="1810732" y="3297502"/>
+            <a:ext cx="1370336" cy="712440"/>
+          </a:xfrm>
+          <a:prstGeom prst="line">
+            <a:avLst/>
+          </a:prstGeom>
+          <a:ln w="177800" cap="rnd">
+            <a:solidFill>
+              <a:schemeClr val="accent2">
+                <a:alpha val="36000"/>
+              </a:schemeClr>
+            </a:solidFill>
+          </a:ln>
+        </p:spPr>
+        <p:style>
+          <a:lnRef idx="1">
+            <a:schemeClr val="accent1"/>
+          </a:lnRef>
+          <a:fillRef idx="0">
+            <a:schemeClr val="accent1"/>
+          </a:fillRef>
+          <a:effectRef idx="0">
+            <a:schemeClr val="accent1"/>
+          </a:effectRef>
+          <a:fontRef idx="minor">
+            <a:schemeClr val="tx1"/>
+          </a:fontRef>
+        </p:style>
+      </p:cxnSp>
+      <p:cxnSp>
+        <p:nvCxnSpPr>
+          <p:cNvPr id="46" name="Straight Connector 45">
+            <a:extLst>
+              <a:ext uri="{FF2B5EF4-FFF2-40B4-BE49-F238E27FC236}">
+                <a16:creationId xmlns:a16="http://schemas.microsoft.com/office/drawing/2014/main" id="{ED3248D5-E718-2A4B-B490-2A917AAF9156}"/>
+              </a:ext>
+            </a:extLst>
+          </p:cNvPr>
+          <p:cNvCxnSpPr>
+            <a:cxnSpLocks/>
+          </p:cNvCxnSpPr>
+          <p:nvPr/>
+        </p:nvCxnSpPr>
+        <p:spPr>
+          <a:xfrm flipH="1" flipV="1">
+            <a:off x="3168951" y="3285948"/>
+            <a:ext cx="6400790" cy="36791"/>
+          </a:xfrm>
+          <a:prstGeom prst="line">
+            <a:avLst/>
+          </a:prstGeom>
+          <a:ln w="177800">
+            <a:solidFill>
+              <a:schemeClr val="accent2">
+                <a:alpha val="36000"/>
+              </a:schemeClr>
+            </a:solidFill>
+          </a:ln>
+        </p:spPr>
+        <p:style>
+          <a:lnRef idx="1">
+            <a:schemeClr val="accent1"/>
+          </a:lnRef>
+          <a:fillRef idx="0">
+            <a:schemeClr val="accent1"/>
+          </a:fillRef>
+          <a:effectRef idx="0">
+            <a:schemeClr val="accent1"/>
+          </a:effectRef>
+          <a:fontRef idx="minor">
+            <a:schemeClr val="tx1"/>
+          </a:fontRef>
+        </p:style>
+      </p:cxnSp>
+      <p:cxnSp>
+        <p:nvCxnSpPr>
+          <p:cNvPr id="48" name="Straight Connector 47">
+            <a:extLst>
+              <a:ext uri="{FF2B5EF4-FFF2-40B4-BE49-F238E27FC236}">
+                <a16:creationId xmlns:a16="http://schemas.microsoft.com/office/drawing/2014/main" id="{75930772-EDD5-C743-9A0B-BA271FA599E3}"/>
+              </a:ext>
+            </a:extLst>
+          </p:cNvPr>
+          <p:cNvCxnSpPr>
+            <a:cxnSpLocks/>
+          </p:cNvCxnSpPr>
+          <p:nvPr/>
+        </p:nvCxnSpPr>
+        <p:spPr>
+          <a:xfrm flipH="1" flipV="1">
+            <a:off x="3214580" y="3893140"/>
+            <a:ext cx="6384034" cy="7318"/>
+          </a:xfrm>
+          <a:prstGeom prst="line">
+            <a:avLst/>
+          </a:prstGeom>
+          <a:ln w="177800">
+            <a:solidFill>
+              <a:schemeClr val="accent2">
+                <a:alpha val="36000"/>
+              </a:schemeClr>
+            </a:solidFill>
+          </a:ln>
+        </p:spPr>
+        <p:style>
+          <a:lnRef idx="1">
+            <a:schemeClr val="accent1"/>
+          </a:lnRef>
+          <a:fillRef idx="0">
+            <a:schemeClr val="accent1"/>
+          </a:fillRef>
+          <a:effectRef idx="0">
+            <a:schemeClr val="accent1"/>
+          </a:effectRef>
+          <a:fontRef idx="minor">
+            <a:schemeClr val="tx1"/>
+          </a:fontRef>
+        </p:style>
+      </p:cxnSp>
+      <p:cxnSp>
+        <p:nvCxnSpPr>
+          <p:cNvPr id="50" name="Straight Connector 49">
+            <a:extLst>
+              <a:ext uri="{FF2B5EF4-FFF2-40B4-BE49-F238E27FC236}">
+                <a16:creationId xmlns:a16="http://schemas.microsoft.com/office/drawing/2014/main" id="{8D2EF4D7-2D4F-FA4B-BD1D-3E9A71C61796}"/>
+              </a:ext>
+            </a:extLst>
+          </p:cNvPr>
+          <p:cNvCxnSpPr>
+            <a:cxnSpLocks/>
+          </p:cNvCxnSpPr>
+          <p:nvPr/>
+        </p:nvCxnSpPr>
+        <p:spPr>
+          <a:xfrm flipH="1" flipV="1">
+            <a:off x="3197825" y="4841068"/>
+            <a:ext cx="6371916" cy="8504"/>
+          </a:xfrm>
+          <a:prstGeom prst="line">
+            <a:avLst/>
+          </a:prstGeom>
+          <a:ln w="177800">
+            <a:solidFill>
+              <a:schemeClr val="accent2">
+                <a:alpha val="36000"/>
+              </a:schemeClr>
+            </a:solidFill>
+          </a:ln>
+        </p:spPr>
+        <p:style>
+          <a:lnRef idx="1">
+            <a:schemeClr val="accent1"/>
+          </a:lnRef>
+          <a:fillRef idx="0">
+            <a:schemeClr val="accent1"/>
+          </a:fillRef>
+          <a:effectRef idx="0">
+            <a:schemeClr val="accent1"/>
+          </a:effectRef>
+          <a:fontRef idx="minor">
+            <a:schemeClr val="tx1"/>
+          </a:fontRef>
+        </p:style>
+      </p:cxnSp>
+      <p:cxnSp>
+        <p:nvCxnSpPr>
+          <p:cNvPr id="53" name="Straight Connector 52">
+            <a:extLst>
+              <a:ext uri="{FF2B5EF4-FFF2-40B4-BE49-F238E27FC236}">
+                <a16:creationId xmlns:a16="http://schemas.microsoft.com/office/drawing/2014/main" id="{D2312ED8-A6EC-3D43-B12D-0B4B77CAC77A}"/>
+              </a:ext>
+            </a:extLst>
+          </p:cNvPr>
+          <p:cNvCxnSpPr>
+            <a:cxnSpLocks/>
+            <a:stCxn id="26" idx="1"/>
+          </p:cNvCxnSpPr>
+          <p:nvPr/>
+        </p:nvCxnSpPr>
+        <p:spPr>
+          <a:xfrm flipV="1">
+            <a:off x="1827488" y="3900460"/>
+            <a:ext cx="1387092" cy="97458"/>
+          </a:xfrm>
+          <a:prstGeom prst="line">
+            <a:avLst/>
+          </a:prstGeom>
+          <a:ln w="177800">
+            <a:solidFill>
+              <a:schemeClr val="accent2">
+                <a:alpha val="36000"/>
+              </a:schemeClr>
+            </a:solidFill>
+          </a:ln>
+        </p:spPr>
+        <p:style>
+          <a:lnRef idx="1">
+            <a:schemeClr val="accent1"/>
+          </a:lnRef>
+          <a:fillRef idx="0">
+            <a:schemeClr val="accent1"/>
+          </a:fillRef>
+          <a:effectRef idx="0">
+            <a:schemeClr val="accent1"/>
+          </a:effectRef>
+          <a:fontRef idx="minor">
+            <a:schemeClr val="tx1"/>
+          </a:fontRef>
+        </p:style>
+      </p:cxnSp>
+      <p:cxnSp>
+        <p:nvCxnSpPr>
+          <p:cNvPr id="56" name="Straight Connector 55">
+            <a:extLst>
+              <a:ext uri="{FF2B5EF4-FFF2-40B4-BE49-F238E27FC236}">
+                <a16:creationId xmlns:a16="http://schemas.microsoft.com/office/drawing/2014/main" id="{083DEBA1-DFC6-1647-9609-EABE4644616B}"/>
+              </a:ext>
+            </a:extLst>
+          </p:cNvPr>
+          <p:cNvCxnSpPr>
+            <a:cxnSpLocks/>
+            <a:stCxn id="26" idx="1"/>
+          </p:cNvCxnSpPr>
+          <p:nvPr/>
+        </p:nvCxnSpPr>
+        <p:spPr>
+          <a:xfrm>
+            <a:off x="1827488" y="3997918"/>
+            <a:ext cx="1341463" cy="850988"/>
+          </a:xfrm>
+          <a:prstGeom prst="line">
+            <a:avLst/>
+          </a:prstGeom>
+          <a:ln w="177800" cap="rnd">
+            <a:solidFill>
+              <a:schemeClr val="accent2">
+                <a:alpha val="36000"/>
+              </a:schemeClr>
+            </a:solidFill>
+          </a:ln>
+        </p:spPr>
+        <p:style>
+          <a:lnRef idx="1">
+            <a:schemeClr val="accent1"/>
+          </a:lnRef>
+          <a:fillRef idx="0">
+            <a:schemeClr val="accent1"/>
+          </a:fillRef>
+          <a:effectRef idx="0">
+            <a:schemeClr val="accent1"/>
+          </a:effectRef>
+          <a:fontRef idx="minor">
+            <a:schemeClr val="tx1"/>
+          </a:fontRef>
+        </p:style>
+      </p:cxnSp>
+      <p:cxnSp>
+        <p:nvCxnSpPr>
+          <p:cNvPr id="75" name="Straight Connector 74">
+            <a:extLst>
+              <a:ext uri="{FF2B5EF4-FFF2-40B4-BE49-F238E27FC236}">
+                <a16:creationId xmlns:a16="http://schemas.microsoft.com/office/drawing/2014/main" id="{7E4C85C8-95B6-9E41-BA5C-155BCBB30FEF}"/>
+              </a:ext>
+            </a:extLst>
+          </p:cNvPr>
+          <p:cNvCxnSpPr>
+            <a:cxnSpLocks/>
+          </p:cNvCxnSpPr>
+          <p:nvPr/>
+        </p:nvCxnSpPr>
+        <p:spPr>
+          <a:xfrm flipH="1">
+            <a:off x="2598346" y="5503333"/>
+            <a:ext cx="7659230" cy="0"/>
+          </a:xfrm>
+          <a:prstGeom prst="line">
+            <a:avLst/>
+          </a:prstGeom>
+          <a:ln w="177800">
+            <a:solidFill>
+              <a:schemeClr val="accent2">
+                <a:alpha val="36000"/>
+              </a:schemeClr>
+            </a:solidFill>
+            <a:tailEnd w="lg" len="lg"/>
+          </a:ln>
+        </p:spPr>
+        <p:style>
+          <a:lnRef idx="1">
+            <a:schemeClr val="accent1"/>
+          </a:lnRef>
+          <a:fillRef idx="0">
+            <a:schemeClr val="accent1"/>
+          </a:fillRef>
+          <a:effectRef idx="0">
+            <a:schemeClr val="accent1"/>
+          </a:effectRef>
+          <a:fontRef idx="minor">
+            <a:schemeClr val="tx1"/>
+          </a:fontRef>
+        </p:style>
+      </p:cxnSp>
+      <p:sp>
+        <p:nvSpPr>
+          <p:cNvPr id="8" name="Rectangle 7">
+            <a:extLst>
+              <a:ext uri="{FF2B5EF4-FFF2-40B4-BE49-F238E27FC236}">
+                <a16:creationId xmlns:a16="http://schemas.microsoft.com/office/drawing/2014/main" id="{D7014436-132E-4746-80C3-83893783F25C}"/>
+              </a:ext>
+            </a:extLst>
+          </p:cNvPr>
+          <p:cNvSpPr/>
+          <p:nvPr/>
+        </p:nvSpPr>
+        <p:spPr>
+          <a:xfrm>
+            <a:off x="9569741" y="2057312"/>
+            <a:ext cx="1792224" cy="3069257"/>
+          </a:xfrm>
+          <a:prstGeom prst="rect">
+            <a:avLst/>
+          </a:prstGeom>
+          <a:solidFill>
+            <a:schemeClr val="tx2"/>
+          </a:solidFill>
+        </p:spPr>
+        <p:style>
+          <a:lnRef idx="2">
+            <a:schemeClr val="accent1">
+              <a:shade val="50000"/>
+            </a:schemeClr>
+          </a:lnRef>
+          <a:fillRef idx="1">
+            <a:schemeClr val="accent1"/>
+          </a:fillRef>
+          <a:effectRef idx="0">
+            <a:schemeClr val="accent1"/>
+          </a:effectRef>
+          <a:fontRef idx="minor">
+            <a:schemeClr val="lt1"/>
+          </a:fontRef>
+        </p:style>
+        <p:txBody>
+          <a:bodyPr rtlCol="0" anchor="ctr"/>
+          <a:lstStyle/>
+          <a:p>
+            <a:pPr algn="ctr"/>
+            <a:r>
+              <a:rPr lang="en-US" dirty="0"/>
+              <a:t>Juniper</a:t>
+            </a:r>
+          </a:p>
+          <a:p>
+            <a:pPr algn="ctr"/>
+            <a:r>
+              <a:rPr lang="en-US" dirty="0"/>
+              <a:t>vMX</a:t>
+            </a:r>
+          </a:p>
+        </p:txBody>
+      </p:sp>
+      <p:pic>
+        <p:nvPicPr>
+          <p:cNvPr id="94" name="Picture 93" descr="cloud_gry.pngdd">
+            <a:extLst>
+              <a:ext uri="{FF2B5EF4-FFF2-40B4-BE49-F238E27FC236}">
+                <a16:creationId xmlns:a16="http://schemas.microsoft.com/office/drawing/2014/main" id="{4A56E900-B999-9243-9F7F-D4E0C991CC07}"/>
+              </a:ext>
+            </a:extLst>
+          </p:cNvPr>
+          <p:cNvPicPr>
+            <a:picLocks noChangeAspect="1"/>
+          </p:cNvPicPr>
+          <p:nvPr/>
+        </p:nvPicPr>
+        <p:blipFill>
+          <a:blip r:embed="rId2" cstate="screen">
+            <a:extLst>
+              <a:ext uri="{28A0092B-C50C-407E-A947-70E740481C1C}">
+                <a14:useLocalDpi xmlns:a14="http://schemas.microsoft.com/office/drawing/2010/main"/>
+              </a:ext>
+            </a:extLst>
+          </a:blip>
+          <a:stretch>
+            <a:fillRect/>
+          </a:stretch>
+        </p:blipFill>
+        <p:spPr>
+          <a:xfrm>
+            <a:off x="669804" y="3557162"/>
+            <a:ext cx="1232535" cy="655320"/>
+          </a:xfrm>
+          <a:prstGeom prst="rect">
+            <a:avLst/>
+          </a:prstGeom>
+        </p:spPr>
+      </p:pic>
+      <p:pic>
+        <p:nvPicPr>
+          <p:cNvPr id="26" name="Picture 25" descr="Generic_logical Router.png">
+            <a:extLst>
+              <a:ext uri="{FF2B5EF4-FFF2-40B4-BE49-F238E27FC236}">
+                <a16:creationId xmlns:a16="http://schemas.microsoft.com/office/drawing/2014/main" id="{4D78012F-FEB8-E047-AB9F-FF8D315CE7D3}"/>
+              </a:ext>
+            </a:extLst>
+          </p:cNvPr>
+          <p:cNvPicPr>
+            <a:picLocks noChangeAspect="1"/>
+          </p:cNvPicPr>
+          <p:nvPr/>
+        </p:nvPicPr>
+        <p:blipFill>
+          <a:blip r:embed="rId3">
+            <a:extLst>
+              <a:ext uri="{28A0092B-C50C-407E-A947-70E740481C1C}">
+                <a14:useLocalDpi xmlns:a14="http://schemas.microsoft.com/office/drawing/2010/main" val="0"/>
+              </a:ext>
+            </a:extLst>
+          </a:blip>
+          <a:stretch>
+            <a:fillRect/>
+          </a:stretch>
+        </p:blipFill>
+        <p:spPr>
+          <a:xfrm>
+            <a:off x="1827488" y="3523693"/>
+            <a:ext cx="948449" cy="948449"/>
+          </a:xfrm>
+          <a:prstGeom prst="rect">
+            <a:avLst/>
+          </a:prstGeom>
+        </p:spPr>
+      </p:pic>
     </p:spTree>
     <p:extLst>
       <p:ext uri="{BB962C8B-B14F-4D97-AF65-F5344CB8AC3E}">

--- a/docs/vmx-docker-lwaftr.pptx
+++ b/docs/vmx-docker-lwaftr.pptx
@@ -112,6 +112,35 @@
 </p:presentation>
 </file>
 
+<file path=ppt/changesInfos/changesInfo1.xml><?xml version="1.0" encoding="utf-8"?>
+<pc:chgInfo xmlns:a="http://schemas.openxmlformats.org/drawingml/2006/main" xmlns:r="http://schemas.openxmlformats.org/officeDocument/2006/relationships" xmlns:ac="http://schemas.microsoft.com/office/drawing/2013/main/command" xmlns:pc="http://schemas.microsoft.com/office/powerpoint/2013/main/command">
+  <pc:docChgLst>
+    <pc:chgData name="Marcel Wiget" userId="36626830_tp_dropbox" providerId="OAuth2" clId="{10351ADE-79EB-5946-8507-C00C760595C1}"/>
+    <pc:docChg chg="undo custSel modSld">
+      <pc:chgData name="Marcel Wiget" userId="36626830_tp_dropbox" providerId="OAuth2" clId="{10351ADE-79EB-5946-8507-C00C760595C1}" dt="2018-11-20T13:57:36.145" v="5" actId="1042"/>
+      <pc:docMkLst>
+        <pc:docMk/>
+      </pc:docMkLst>
+      <pc:sldChg chg="addSp delSp modSp">
+        <pc:chgData name="Marcel Wiget" userId="36626830_tp_dropbox" providerId="OAuth2" clId="{10351ADE-79EB-5946-8507-C00C760595C1}" dt="2018-11-20T13:57:36.145" v="5" actId="1042"/>
+        <pc:sldMkLst>
+          <pc:docMk/>
+          <pc:sldMk cId="2691039461" sldId="256"/>
+        </pc:sldMkLst>
+        <pc:cxnChg chg="add del mod">
+          <ac:chgData name="Marcel Wiget" userId="36626830_tp_dropbox" providerId="OAuth2" clId="{10351ADE-79EB-5946-8507-C00C760595C1}" dt="2018-11-20T13:57:36.145" v="5" actId="1042"/>
+          <ac:cxnSpMkLst>
+            <pc:docMk/>
+            <pc:sldMk cId="2691039461" sldId="256"/>
+            <ac:cxnSpMk id="3" creationId="{A16DFFD6-26C5-E345-9FE8-BFBFB31C9ABD}"/>
+          </ac:cxnSpMkLst>
+        </pc:cxnChg>
+      </pc:sldChg>
+    </pc:docChg>
+  </pc:docChgLst>
+</pc:chgInfo>
+</file>
+
 <file path=ppt/slideLayouts/slideLayout1.xml><?xml version="1.0" encoding="utf-8"?>
 <p:sldLayout xmlns:a="http://schemas.openxmlformats.org/drawingml/2006/main" xmlns:r="http://schemas.openxmlformats.org/officeDocument/2006/relationships" xmlns:p="http://schemas.openxmlformats.org/presentationml/2006/main" type="title" preserve="1">
   <p:cSld name="Title Slide">
@@ -259,7 +288,7 @@
           <a:p>
             <a:fld id="{5659F9BE-60B6-C142-8802-BAD3446950BE}" type="datetimeFigureOut">
               <a:rPr lang="en-US" smtClean="0"/>
-              <a:t>11/18/18</a:t>
+              <a:t>11/21/18</a:t>
             </a:fld>
             <a:endParaRPr lang="en-US"/>
           </a:p>
@@ -457,7 +486,7 @@
           <a:p>
             <a:fld id="{5659F9BE-60B6-C142-8802-BAD3446950BE}" type="datetimeFigureOut">
               <a:rPr lang="en-US" smtClean="0"/>
-              <a:t>11/18/18</a:t>
+              <a:t>11/21/18</a:t>
             </a:fld>
             <a:endParaRPr lang="en-US"/>
           </a:p>
@@ -665,7 +694,7 @@
           <a:p>
             <a:fld id="{5659F9BE-60B6-C142-8802-BAD3446950BE}" type="datetimeFigureOut">
               <a:rPr lang="en-US" smtClean="0"/>
-              <a:t>11/18/18</a:t>
+              <a:t>11/21/18</a:t>
             </a:fld>
             <a:endParaRPr lang="en-US"/>
           </a:p>
@@ -863,7 +892,7 @@
           <a:p>
             <a:fld id="{5659F9BE-60B6-C142-8802-BAD3446950BE}" type="datetimeFigureOut">
               <a:rPr lang="en-US" smtClean="0"/>
-              <a:t>11/18/18</a:t>
+              <a:t>11/21/18</a:t>
             </a:fld>
             <a:endParaRPr lang="en-US"/>
           </a:p>
@@ -1138,7 +1167,7 @@
           <a:p>
             <a:fld id="{5659F9BE-60B6-C142-8802-BAD3446950BE}" type="datetimeFigureOut">
               <a:rPr lang="en-US" smtClean="0"/>
-              <a:t>11/18/18</a:t>
+              <a:t>11/21/18</a:t>
             </a:fld>
             <a:endParaRPr lang="en-US"/>
           </a:p>
@@ -1403,7 +1432,7 @@
           <a:p>
             <a:fld id="{5659F9BE-60B6-C142-8802-BAD3446950BE}" type="datetimeFigureOut">
               <a:rPr lang="en-US" smtClean="0"/>
-              <a:t>11/18/18</a:t>
+              <a:t>11/21/18</a:t>
             </a:fld>
             <a:endParaRPr lang="en-US"/>
           </a:p>
@@ -1815,7 +1844,7 @@
           <a:p>
             <a:fld id="{5659F9BE-60B6-C142-8802-BAD3446950BE}" type="datetimeFigureOut">
               <a:rPr lang="en-US" smtClean="0"/>
-              <a:t>11/18/18</a:t>
+              <a:t>11/21/18</a:t>
             </a:fld>
             <a:endParaRPr lang="en-US"/>
           </a:p>
@@ -1956,7 +1985,7 @@
           <a:p>
             <a:fld id="{5659F9BE-60B6-C142-8802-BAD3446950BE}" type="datetimeFigureOut">
               <a:rPr lang="en-US" smtClean="0"/>
-              <a:t>11/18/18</a:t>
+              <a:t>11/21/18</a:t>
             </a:fld>
             <a:endParaRPr lang="en-US"/>
           </a:p>
@@ -2069,7 +2098,7 @@
           <a:p>
             <a:fld id="{5659F9BE-60B6-C142-8802-BAD3446950BE}" type="datetimeFigureOut">
               <a:rPr lang="en-US" smtClean="0"/>
-              <a:t>11/18/18</a:t>
+              <a:t>11/21/18</a:t>
             </a:fld>
             <a:endParaRPr lang="en-US"/>
           </a:p>
@@ -2380,7 +2409,7 @@
           <a:p>
             <a:fld id="{5659F9BE-60B6-C142-8802-BAD3446950BE}" type="datetimeFigureOut">
               <a:rPr lang="en-US" smtClean="0"/>
-              <a:t>11/18/18</a:t>
+              <a:t>11/21/18</a:t>
             </a:fld>
             <a:endParaRPr lang="en-US"/>
           </a:p>
@@ -2668,7 +2697,7 @@
           <a:p>
             <a:fld id="{5659F9BE-60B6-C142-8802-BAD3446950BE}" type="datetimeFigureOut">
               <a:rPr lang="en-US" smtClean="0"/>
-              <a:t>11/18/18</a:t>
+              <a:t>11/21/18</a:t>
             </a:fld>
             <a:endParaRPr lang="en-US"/>
           </a:p>
@@ -2909,7 +2938,7 @@
           <a:p>
             <a:fld id="{5659F9BE-60B6-C142-8802-BAD3446950BE}" type="datetimeFigureOut">
               <a:rPr lang="en-US" smtClean="0"/>
-              <a:t>11/18/18</a:t>
+              <a:t>11/21/18</a:t>
             </a:fld>
             <a:endParaRPr lang="en-US"/>
           </a:p>
@@ -3326,48 +3355,12 @@
           <a:chExt cx="0" cy="0"/>
         </a:xfrm>
       </p:grpSpPr>
-      <p:pic>
-        <p:nvPicPr>
-          <p:cNvPr id="94" name="Picture 93" descr="cloud_gry.pngdd">
-            <a:extLst>
-              <a:ext uri="{FF2B5EF4-FFF2-40B4-BE49-F238E27FC236}">
-                <a16:creationId xmlns:a16="http://schemas.microsoft.com/office/drawing/2014/main" id="{4A56E900-B999-9243-9F7F-D4E0C991CC07}"/>
-              </a:ext>
-            </a:extLst>
-          </p:cNvPr>
-          <p:cNvPicPr>
-            <a:picLocks noChangeAspect="1"/>
-          </p:cNvPicPr>
-          <p:nvPr/>
-        </p:nvPicPr>
-        <p:blipFill>
-          <a:blip r:embed="rId2" cstate="screen">
-            <a:extLst>
-              <a:ext uri="{28A0092B-C50C-407E-A947-70E740481C1C}">
-                <a14:useLocalDpi xmlns:a14="http://schemas.microsoft.com/office/drawing/2010/main"/>
-              </a:ext>
-            </a:extLst>
-          </a:blip>
-          <a:stretch>
-            <a:fillRect/>
-          </a:stretch>
-        </p:blipFill>
-        <p:spPr>
-          <a:xfrm>
-            <a:off x="669804" y="3557162"/>
-            <a:ext cx="1232535" cy="655320"/>
-          </a:xfrm>
-          <a:prstGeom prst="rect">
-            <a:avLst/>
-          </a:prstGeom>
-        </p:spPr>
-      </p:pic>
-      <p:sp>
-        <p:nvSpPr>
-          <p:cNvPr id="4" name="Rectangle 3">
-            <a:extLst>
-              <a:ext uri="{FF2B5EF4-FFF2-40B4-BE49-F238E27FC236}">
-                <a16:creationId xmlns:a16="http://schemas.microsoft.com/office/drawing/2014/main" id="{7EF3B84D-6E23-5F48-A6B3-F905D6422F6C}"/>
+      <p:sp>
+        <p:nvSpPr>
+          <p:cNvPr id="7" name="Rectangle 6">
+            <a:extLst>
+              <a:ext uri="{FF2B5EF4-FFF2-40B4-BE49-F238E27FC236}">
+                <a16:creationId xmlns:a16="http://schemas.microsoft.com/office/drawing/2014/main" id="{553C3E95-759B-4245-AAE7-6307809A5232}"/>
               </a:ext>
             </a:extLst>
           </p:cNvPr>
@@ -3376,7 +3369,7 @@
         </p:nvSpPr>
         <p:spPr>
           <a:xfrm>
-            <a:off x="3544862" y="3048205"/>
+            <a:off x="3544862" y="2112123"/>
             <a:ext cx="1792224" cy="475488"/>
           </a:xfrm>
           <a:prstGeom prst="rect">
@@ -3406,17 +3399,377 @@
             <a:pPr algn="ctr"/>
             <a:r>
               <a:rPr lang="en-US" dirty="0"/>
-              <a:t>Snabb worker</a:t>
-            </a:r>
-          </a:p>
-        </p:txBody>
-      </p:sp>
-      <p:sp>
-        <p:nvSpPr>
-          <p:cNvPr id="5" name="Rectangle 4">
-            <a:extLst>
-              <a:ext uri="{FF2B5EF4-FFF2-40B4-BE49-F238E27FC236}">
-                <a16:creationId xmlns:a16="http://schemas.microsoft.com/office/drawing/2014/main" id="{434B0C25-6356-B846-A18B-46A84B1D842E}"/>
+              <a:t>Snabb LwAFTR</a:t>
+            </a:r>
+          </a:p>
+        </p:txBody>
+      </p:sp>
+      <p:cxnSp>
+        <p:nvCxnSpPr>
+          <p:cNvPr id="10" name="Straight Connector 9">
+            <a:extLst>
+              <a:ext uri="{FF2B5EF4-FFF2-40B4-BE49-F238E27FC236}">
+                <a16:creationId xmlns:a16="http://schemas.microsoft.com/office/drawing/2014/main" id="{D9280B7D-7703-6549-A1B5-A6AAE5F3C682}"/>
+              </a:ext>
+            </a:extLst>
+          </p:cNvPr>
+          <p:cNvCxnSpPr>
+            <a:cxnSpLocks/>
+            <a:stCxn id="4" idx="3"/>
+          </p:cNvCxnSpPr>
+          <p:nvPr/>
+        </p:nvCxnSpPr>
+        <p:spPr>
+          <a:xfrm>
+            <a:off x="5337086" y="3285949"/>
+            <a:ext cx="4589602" cy="0"/>
+          </a:xfrm>
+          <a:prstGeom prst="line">
+            <a:avLst/>
+          </a:prstGeom>
+          <a:ln w="12700"/>
+        </p:spPr>
+        <p:style>
+          <a:lnRef idx="1">
+            <a:schemeClr val="accent1"/>
+          </a:lnRef>
+          <a:fillRef idx="0">
+            <a:schemeClr val="accent1"/>
+          </a:fillRef>
+          <a:effectRef idx="0">
+            <a:schemeClr val="accent1"/>
+          </a:effectRef>
+          <a:fontRef idx="minor">
+            <a:schemeClr val="tx1"/>
+          </a:fontRef>
+        </p:style>
+      </p:cxnSp>
+      <p:cxnSp>
+        <p:nvCxnSpPr>
+          <p:cNvPr id="12" name="Straight Connector 11">
+            <a:extLst>
+              <a:ext uri="{FF2B5EF4-FFF2-40B4-BE49-F238E27FC236}">
+                <a16:creationId xmlns:a16="http://schemas.microsoft.com/office/drawing/2014/main" id="{610D6C77-B098-BE42-99AF-1FEA09AD96F2}"/>
+              </a:ext>
+            </a:extLst>
+          </p:cNvPr>
+          <p:cNvCxnSpPr>
+            <a:cxnSpLocks/>
+            <a:stCxn id="5" idx="3"/>
+          </p:cNvCxnSpPr>
+          <p:nvPr/>
+        </p:nvCxnSpPr>
+        <p:spPr>
+          <a:xfrm>
+            <a:off x="5337086" y="3901645"/>
+            <a:ext cx="4589602" cy="0"/>
+          </a:xfrm>
+          <a:prstGeom prst="line">
+            <a:avLst/>
+          </a:prstGeom>
+          <a:ln w="12700"/>
+        </p:spPr>
+        <p:style>
+          <a:lnRef idx="1">
+            <a:schemeClr val="accent1"/>
+          </a:lnRef>
+          <a:fillRef idx="0">
+            <a:schemeClr val="accent1"/>
+          </a:fillRef>
+          <a:effectRef idx="0">
+            <a:schemeClr val="accent1"/>
+          </a:effectRef>
+          <a:fontRef idx="minor">
+            <a:schemeClr val="tx1"/>
+          </a:fontRef>
+        </p:style>
+      </p:cxnSp>
+      <p:cxnSp>
+        <p:nvCxnSpPr>
+          <p:cNvPr id="14" name="Straight Connector 13">
+            <a:extLst>
+              <a:ext uri="{FF2B5EF4-FFF2-40B4-BE49-F238E27FC236}">
+                <a16:creationId xmlns:a16="http://schemas.microsoft.com/office/drawing/2014/main" id="{5E80C0AE-2E5A-5543-901F-F0667EE0D2C1}"/>
+              </a:ext>
+            </a:extLst>
+          </p:cNvPr>
+          <p:cNvCxnSpPr>
+            <a:cxnSpLocks/>
+            <a:stCxn id="6" idx="3"/>
+          </p:cNvCxnSpPr>
+          <p:nvPr/>
+        </p:nvCxnSpPr>
+        <p:spPr>
+          <a:xfrm>
+            <a:off x="5337086" y="4849573"/>
+            <a:ext cx="4589602" cy="0"/>
+          </a:xfrm>
+          <a:prstGeom prst="line">
+            <a:avLst/>
+          </a:prstGeom>
+          <a:ln w="12700"/>
+        </p:spPr>
+        <p:style>
+          <a:lnRef idx="1">
+            <a:schemeClr val="accent1"/>
+          </a:lnRef>
+          <a:fillRef idx="0">
+            <a:schemeClr val="accent1"/>
+          </a:fillRef>
+          <a:effectRef idx="0">
+            <a:schemeClr val="accent1"/>
+          </a:effectRef>
+          <a:fontRef idx="minor">
+            <a:schemeClr val="tx1"/>
+          </a:fontRef>
+        </p:style>
+      </p:cxnSp>
+      <p:cxnSp>
+        <p:nvCxnSpPr>
+          <p:cNvPr id="16" name="Straight Connector 15">
+            <a:extLst>
+              <a:ext uri="{FF2B5EF4-FFF2-40B4-BE49-F238E27FC236}">
+                <a16:creationId xmlns:a16="http://schemas.microsoft.com/office/drawing/2014/main" id="{6463A813-13CF-5041-B63E-27397157BC9F}"/>
+              </a:ext>
+            </a:extLst>
+          </p:cNvPr>
+          <p:cNvCxnSpPr>
+            <a:cxnSpLocks/>
+            <a:endCxn id="6" idx="1"/>
+          </p:cNvCxnSpPr>
+          <p:nvPr/>
+        </p:nvCxnSpPr>
+        <p:spPr>
+          <a:xfrm>
+            <a:off x="3197824" y="4849573"/>
+            <a:ext cx="347038" cy="0"/>
+          </a:xfrm>
+          <a:prstGeom prst="line">
+            <a:avLst/>
+          </a:prstGeom>
+          <a:ln w="25400"/>
+        </p:spPr>
+        <p:style>
+          <a:lnRef idx="1">
+            <a:schemeClr val="accent1"/>
+          </a:lnRef>
+          <a:fillRef idx="0">
+            <a:schemeClr val="accent1"/>
+          </a:fillRef>
+          <a:effectRef idx="0">
+            <a:schemeClr val="accent1"/>
+          </a:effectRef>
+          <a:fontRef idx="minor">
+            <a:schemeClr val="tx1"/>
+          </a:fontRef>
+        </p:style>
+      </p:cxnSp>
+      <p:cxnSp>
+        <p:nvCxnSpPr>
+          <p:cNvPr id="19" name="Straight Connector 18">
+            <a:extLst>
+              <a:ext uri="{FF2B5EF4-FFF2-40B4-BE49-F238E27FC236}">
+                <a16:creationId xmlns:a16="http://schemas.microsoft.com/office/drawing/2014/main" id="{FD2D4F99-AA9B-394A-9092-07FCFA919070}"/>
+              </a:ext>
+            </a:extLst>
+          </p:cNvPr>
+          <p:cNvCxnSpPr>
+            <a:cxnSpLocks/>
+            <a:endCxn id="5" idx="1"/>
+          </p:cNvCxnSpPr>
+          <p:nvPr/>
+        </p:nvCxnSpPr>
+        <p:spPr>
+          <a:xfrm flipV="1">
+            <a:off x="3197824" y="3901645"/>
+            <a:ext cx="347038" cy="2524"/>
+          </a:xfrm>
+          <a:prstGeom prst="line">
+            <a:avLst/>
+          </a:prstGeom>
+          <a:ln w="25400"/>
+        </p:spPr>
+        <p:style>
+          <a:lnRef idx="1">
+            <a:schemeClr val="accent1"/>
+          </a:lnRef>
+          <a:fillRef idx="0">
+            <a:schemeClr val="accent1"/>
+          </a:fillRef>
+          <a:effectRef idx="0">
+            <a:schemeClr val="accent1"/>
+          </a:effectRef>
+          <a:fontRef idx="minor">
+            <a:schemeClr val="tx1"/>
+          </a:fontRef>
+        </p:style>
+      </p:cxnSp>
+      <p:cxnSp>
+        <p:nvCxnSpPr>
+          <p:cNvPr id="20" name="Straight Connector 19">
+            <a:extLst>
+              <a:ext uri="{FF2B5EF4-FFF2-40B4-BE49-F238E27FC236}">
+                <a16:creationId xmlns:a16="http://schemas.microsoft.com/office/drawing/2014/main" id="{8458C984-775B-3E4C-8E31-AD7AD3360C3E}"/>
+              </a:ext>
+            </a:extLst>
+          </p:cNvPr>
+          <p:cNvCxnSpPr>
+            <a:cxnSpLocks/>
+            <a:endCxn id="4" idx="1"/>
+          </p:cNvCxnSpPr>
+          <p:nvPr/>
+        </p:nvCxnSpPr>
+        <p:spPr>
+          <a:xfrm>
+            <a:off x="3197824" y="3285949"/>
+            <a:ext cx="347038" cy="0"/>
+          </a:xfrm>
+          <a:prstGeom prst="line">
+            <a:avLst/>
+          </a:prstGeom>
+          <a:ln w="25400"/>
+        </p:spPr>
+        <p:style>
+          <a:lnRef idx="1">
+            <a:schemeClr val="accent1"/>
+          </a:lnRef>
+          <a:fillRef idx="0">
+            <a:schemeClr val="accent1"/>
+          </a:fillRef>
+          <a:effectRef idx="0">
+            <a:schemeClr val="accent1"/>
+          </a:effectRef>
+          <a:fontRef idx="minor">
+            <a:schemeClr val="tx1"/>
+          </a:fontRef>
+        </p:style>
+      </p:cxnSp>
+      <p:cxnSp>
+        <p:nvCxnSpPr>
+          <p:cNvPr id="27" name="Straight Connector 26">
+            <a:extLst>
+              <a:ext uri="{FF2B5EF4-FFF2-40B4-BE49-F238E27FC236}">
+                <a16:creationId xmlns:a16="http://schemas.microsoft.com/office/drawing/2014/main" id="{0B792A91-9069-FC4A-8AD2-DFF56C986D63}"/>
+              </a:ext>
+            </a:extLst>
+          </p:cNvPr>
+          <p:cNvCxnSpPr>
+            <a:cxnSpLocks/>
+            <a:stCxn id="26" idx="1"/>
+          </p:cNvCxnSpPr>
+          <p:nvPr/>
+        </p:nvCxnSpPr>
+        <p:spPr>
+          <a:xfrm flipV="1">
+            <a:off x="1827488" y="3285950"/>
+            <a:ext cx="1370336" cy="711968"/>
+          </a:xfrm>
+          <a:prstGeom prst="line">
+            <a:avLst/>
+          </a:prstGeom>
+          <a:ln w="25400"/>
+        </p:spPr>
+        <p:style>
+          <a:lnRef idx="1">
+            <a:schemeClr val="accent1"/>
+          </a:lnRef>
+          <a:fillRef idx="0">
+            <a:schemeClr val="accent1"/>
+          </a:fillRef>
+          <a:effectRef idx="0">
+            <a:schemeClr val="accent1"/>
+          </a:effectRef>
+          <a:fontRef idx="minor">
+            <a:schemeClr val="tx1"/>
+          </a:fontRef>
+        </p:style>
+      </p:cxnSp>
+      <p:cxnSp>
+        <p:nvCxnSpPr>
+          <p:cNvPr id="31" name="Straight Connector 30">
+            <a:extLst>
+              <a:ext uri="{FF2B5EF4-FFF2-40B4-BE49-F238E27FC236}">
+                <a16:creationId xmlns:a16="http://schemas.microsoft.com/office/drawing/2014/main" id="{7EF90DCC-BD40-0E4B-A3E4-C076C6F319E0}"/>
+              </a:ext>
+            </a:extLst>
+          </p:cNvPr>
+          <p:cNvCxnSpPr>
+            <a:cxnSpLocks/>
+            <a:stCxn id="26" idx="1"/>
+          </p:cNvCxnSpPr>
+          <p:nvPr/>
+        </p:nvCxnSpPr>
+        <p:spPr>
+          <a:xfrm flipV="1">
+            <a:off x="1827488" y="3901646"/>
+            <a:ext cx="1370336" cy="96272"/>
+          </a:xfrm>
+          <a:prstGeom prst="line">
+            <a:avLst/>
+          </a:prstGeom>
+          <a:ln w="25400"/>
+        </p:spPr>
+        <p:style>
+          <a:lnRef idx="1">
+            <a:schemeClr val="accent1"/>
+          </a:lnRef>
+          <a:fillRef idx="0">
+            <a:schemeClr val="accent1"/>
+          </a:fillRef>
+          <a:effectRef idx="0">
+            <a:schemeClr val="accent1"/>
+          </a:effectRef>
+          <a:fontRef idx="minor">
+            <a:schemeClr val="tx1"/>
+          </a:fontRef>
+        </p:style>
+      </p:cxnSp>
+      <p:cxnSp>
+        <p:nvCxnSpPr>
+          <p:cNvPr id="34" name="Straight Connector 33">
+            <a:extLst>
+              <a:ext uri="{FF2B5EF4-FFF2-40B4-BE49-F238E27FC236}">
+                <a16:creationId xmlns:a16="http://schemas.microsoft.com/office/drawing/2014/main" id="{67E83535-0C07-0344-9FF8-17C58092BB0B}"/>
+              </a:ext>
+            </a:extLst>
+          </p:cNvPr>
+          <p:cNvCxnSpPr>
+            <a:cxnSpLocks/>
+            <a:stCxn id="26" idx="1"/>
+          </p:cNvCxnSpPr>
+          <p:nvPr/>
+        </p:nvCxnSpPr>
+        <p:spPr>
+          <a:xfrm>
+            <a:off x="1827488" y="3997918"/>
+            <a:ext cx="1370336" cy="851655"/>
+          </a:xfrm>
+          <a:prstGeom prst="line">
+            <a:avLst/>
+          </a:prstGeom>
+          <a:ln w="25400"/>
+        </p:spPr>
+        <p:style>
+          <a:lnRef idx="1">
+            <a:schemeClr val="accent1"/>
+          </a:lnRef>
+          <a:fillRef idx="0">
+            <a:schemeClr val="accent1"/>
+          </a:fillRef>
+          <a:effectRef idx="0">
+            <a:schemeClr val="accent1"/>
+          </a:effectRef>
+          <a:fontRef idx="minor">
+            <a:schemeClr val="tx1"/>
+          </a:fontRef>
+        </p:style>
+      </p:cxnSp>
+      <p:sp>
+        <p:nvSpPr>
+          <p:cNvPr id="37" name="Rectangle 36">
+            <a:extLst>
+              <a:ext uri="{FF2B5EF4-FFF2-40B4-BE49-F238E27FC236}">
+                <a16:creationId xmlns:a16="http://schemas.microsoft.com/office/drawing/2014/main" id="{D09FC69D-2554-6C4F-9FA2-8FB91B799E5F}"/>
               </a:ext>
             </a:extLst>
           </p:cNvPr>
@@ -3425,7 +3778,1494 @@
         </p:nvSpPr>
         <p:spPr>
           <a:xfrm>
-            <a:off x="3544862" y="3663901"/>
+            <a:off x="6671838" y="2112123"/>
+            <a:ext cx="962443" cy="475488"/>
+          </a:xfrm>
+          <a:prstGeom prst="rect">
+            <a:avLst/>
+          </a:prstGeom>
+        </p:spPr>
+        <p:style>
+          <a:lnRef idx="2">
+            <a:schemeClr val="accent3">
+              <a:shade val="50000"/>
+            </a:schemeClr>
+          </a:lnRef>
+          <a:fillRef idx="1">
+            <a:schemeClr val="accent3"/>
+          </a:fillRef>
+          <a:effectRef idx="0">
+            <a:schemeClr val="accent3"/>
+          </a:effectRef>
+          <a:fontRef idx="minor">
+            <a:schemeClr val="lt1"/>
+          </a:fontRef>
+        </p:style>
+        <p:txBody>
+          <a:bodyPr rtlCol="0" anchor="ctr"/>
+          <a:lstStyle/>
+          <a:p>
+            <a:pPr algn="ctr"/>
+            <a:r>
+              <a:rPr lang="en-US" dirty="0"/>
+              <a:t>jroutes</a:t>
+            </a:r>
+          </a:p>
+        </p:txBody>
+      </p:sp>
+      <p:cxnSp>
+        <p:nvCxnSpPr>
+          <p:cNvPr id="38" name="Straight Connector 37">
+            <a:extLst>
+              <a:ext uri="{FF2B5EF4-FFF2-40B4-BE49-F238E27FC236}">
+                <a16:creationId xmlns:a16="http://schemas.microsoft.com/office/drawing/2014/main" id="{9B55CC6A-208E-234F-89A5-1405DBF1D0ED}"/>
+              </a:ext>
+            </a:extLst>
+          </p:cNvPr>
+          <p:cNvCxnSpPr>
+            <a:cxnSpLocks/>
+            <a:stCxn id="7" idx="3"/>
+            <a:endCxn id="37" idx="1"/>
+          </p:cNvCxnSpPr>
+          <p:nvPr/>
+        </p:nvCxnSpPr>
+        <p:spPr>
+          <a:xfrm>
+            <a:off x="5337086" y="2349867"/>
+            <a:ext cx="1334752" cy="0"/>
+          </a:xfrm>
+          <a:prstGeom prst="line">
+            <a:avLst/>
+          </a:prstGeom>
+          <a:ln w="12700">
+            <a:solidFill>
+              <a:schemeClr val="accent6"/>
+            </a:solidFill>
+            <a:prstDash val="dash"/>
+            <a:tailEnd type="arrow"/>
+          </a:ln>
+        </p:spPr>
+        <p:style>
+          <a:lnRef idx="1">
+            <a:schemeClr val="accent1"/>
+          </a:lnRef>
+          <a:fillRef idx="0">
+            <a:schemeClr val="accent1"/>
+          </a:fillRef>
+          <a:effectRef idx="0">
+            <a:schemeClr val="accent1"/>
+          </a:effectRef>
+          <a:fontRef idx="minor">
+            <a:schemeClr val="tx1"/>
+          </a:fontRef>
+        </p:style>
+      </p:cxnSp>
+      <p:cxnSp>
+        <p:nvCxnSpPr>
+          <p:cNvPr id="45" name="Straight Connector 44">
+            <a:extLst>
+              <a:ext uri="{FF2B5EF4-FFF2-40B4-BE49-F238E27FC236}">
+                <a16:creationId xmlns:a16="http://schemas.microsoft.com/office/drawing/2014/main" id="{EE7822B5-07BC-5D43-82EA-9D26126279B6}"/>
+              </a:ext>
+            </a:extLst>
+          </p:cNvPr>
+          <p:cNvCxnSpPr>
+            <a:cxnSpLocks/>
+          </p:cNvCxnSpPr>
+          <p:nvPr/>
+        </p:nvCxnSpPr>
+        <p:spPr>
+          <a:xfrm>
+            <a:off x="7638804" y="2433556"/>
+            <a:ext cx="1930937" cy="0"/>
+          </a:xfrm>
+          <a:prstGeom prst="line">
+            <a:avLst/>
+          </a:prstGeom>
+          <a:ln w="12700">
+            <a:prstDash val="dash"/>
+            <a:tailEnd type="arrow"/>
+          </a:ln>
+        </p:spPr>
+        <p:style>
+          <a:lnRef idx="1">
+            <a:schemeClr val="accent1"/>
+          </a:lnRef>
+          <a:fillRef idx="0">
+            <a:schemeClr val="accent1"/>
+          </a:fillRef>
+          <a:effectRef idx="0">
+            <a:schemeClr val="accent1"/>
+          </a:effectRef>
+          <a:fontRef idx="minor">
+            <a:schemeClr val="tx1"/>
+          </a:fontRef>
+        </p:style>
+      </p:cxnSp>
+      <p:cxnSp>
+        <p:nvCxnSpPr>
+          <p:cNvPr id="47" name="Straight Connector 46">
+            <a:extLst>
+              <a:ext uri="{FF2B5EF4-FFF2-40B4-BE49-F238E27FC236}">
+                <a16:creationId xmlns:a16="http://schemas.microsoft.com/office/drawing/2014/main" id="{BC0F0EF1-6F30-844C-86F7-A67040378CF1}"/>
+              </a:ext>
+            </a:extLst>
+          </p:cNvPr>
+          <p:cNvCxnSpPr>
+            <a:cxnSpLocks/>
+          </p:cNvCxnSpPr>
+          <p:nvPr/>
+        </p:nvCxnSpPr>
+        <p:spPr>
+          <a:xfrm flipH="1" flipV="1">
+            <a:off x="7638805" y="2308226"/>
+            <a:ext cx="1930936" cy="6458"/>
+          </a:xfrm>
+          <a:prstGeom prst="line">
+            <a:avLst/>
+          </a:prstGeom>
+          <a:ln w="12700">
+            <a:prstDash val="dash"/>
+            <a:tailEnd type="arrow"/>
+          </a:ln>
+        </p:spPr>
+        <p:style>
+          <a:lnRef idx="1">
+            <a:schemeClr val="accent1"/>
+          </a:lnRef>
+          <a:fillRef idx="0">
+            <a:schemeClr val="accent1"/>
+          </a:fillRef>
+          <a:effectRef idx="0">
+            <a:schemeClr val="accent1"/>
+          </a:effectRef>
+          <a:fontRef idx="minor">
+            <a:schemeClr val="tx1"/>
+          </a:fontRef>
+        </p:style>
+      </p:cxnSp>
+      <p:sp>
+        <p:nvSpPr>
+          <p:cNvPr id="51" name="Document 50">
+            <a:extLst>
+              <a:ext uri="{FF2B5EF4-FFF2-40B4-BE49-F238E27FC236}">
+                <a16:creationId xmlns:a16="http://schemas.microsoft.com/office/drawing/2014/main" id="{255D240B-A9B9-A946-B3E2-28DE843DA824}"/>
+              </a:ext>
+            </a:extLst>
+          </p:cNvPr>
+          <p:cNvSpPr/>
+          <p:nvPr/>
+        </p:nvSpPr>
+        <p:spPr>
+          <a:xfrm>
+            <a:off x="3666059" y="1109385"/>
+            <a:ext cx="1549830" cy="730911"/>
+          </a:xfrm>
+          <a:prstGeom prst="flowChartDocument">
+            <a:avLst/>
+          </a:prstGeom>
+        </p:spPr>
+        <p:style>
+          <a:lnRef idx="1">
+            <a:schemeClr val="accent6"/>
+          </a:lnRef>
+          <a:fillRef idx="2">
+            <a:schemeClr val="accent6"/>
+          </a:fillRef>
+          <a:effectRef idx="1">
+            <a:schemeClr val="accent6"/>
+          </a:effectRef>
+          <a:fontRef idx="minor">
+            <a:schemeClr val="dk1"/>
+          </a:fontRef>
+        </p:style>
+        <p:txBody>
+          <a:bodyPr rtlCol="0" anchor="ctr"/>
+          <a:lstStyle/>
+          <a:p>
+            <a:pPr algn="ctr"/>
+            <a:r>
+              <a:rPr lang="en-US" dirty="0"/>
+              <a:t>Native Snabb Config</a:t>
+            </a:r>
+          </a:p>
+        </p:txBody>
+      </p:sp>
+      <p:cxnSp>
+        <p:nvCxnSpPr>
+          <p:cNvPr id="52" name="Straight Connector 51">
+            <a:extLst>
+              <a:ext uri="{FF2B5EF4-FFF2-40B4-BE49-F238E27FC236}">
+                <a16:creationId xmlns:a16="http://schemas.microsoft.com/office/drawing/2014/main" id="{393C0CA4-0392-3348-9958-4AA55175D813}"/>
+              </a:ext>
+            </a:extLst>
+          </p:cNvPr>
+          <p:cNvCxnSpPr>
+            <a:cxnSpLocks/>
+            <a:stCxn id="51" idx="2"/>
+            <a:endCxn id="7" idx="0"/>
+          </p:cNvCxnSpPr>
+          <p:nvPr/>
+        </p:nvCxnSpPr>
+        <p:spPr>
+          <a:xfrm>
+            <a:off x="4440974" y="1791975"/>
+            <a:ext cx="0" cy="320148"/>
+          </a:xfrm>
+          <a:prstGeom prst="line">
+            <a:avLst/>
+          </a:prstGeom>
+          <a:ln w="12700">
+            <a:solidFill>
+              <a:schemeClr val="accent6"/>
+            </a:solidFill>
+            <a:prstDash val="dash"/>
+            <a:tailEnd type="arrow"/>
+          </a:ln>
+        </p:spPr>
+        <p:style>
+          <a:lnRef idx="1">
+            <a:schemeClr val="accent1"/>
+          </a:lnRef>
+          <a:fillRef idx="0">
+            <a:schemeClr val="accent1"/>
+          </a:fillRef>
+          <a:effectRef idx="0">
+            <a:schemeClr val="accent1"/>
+          </a:effectRef>
+          <a:fontRef idx="minor">
+            <a:schemeClr val="tx1"/>
+          </a:fontRef>
+        </p:style>
+      </p:cxnSp>
+      <p:sp>
+        <p:nvSpPr>
+          <p:cNvPr id="55" name="TextBox 54">
+            <a:extLst>
+              <a:ext uri="{FF2B5EF4-FFF2-40B4-BE49-F238E27FC236}">
+                <a16:creationId xmlns:a16="http://schemas.microsoft.com/office/drawing/2014/main" id="{202D08E1-1BF1-DE4E-A2D0-ED88E90BB5BA}"/>
+              </a:ext>
+            </a:extLst>
+          </p:cNvPr>
+          <p:cNvSpPr txBox="1"/>
+          <p:nvPr/>
+        </p:nvSpPr>
+        <p:spPr>
+          <a:xfrm>
+            <a:off x="7942484" y="2433556"/>
+            <a:ext cx="1312988" cy="461665"/>
+          </a:xfrm>
+          <a:prstGeom prst="rect">
+            <a:avLst/>
+          </a:prstGeom>
+          <a:noFill/>
+        </p:spPr>
+        <p:txBody>
+          <a:bodyPr wrap="none" rtlCol="0">
+            <a:spAutoFit/>
+          </a:bodyPr>
+          <a:lstStyle/>
+          <a:p>
+            <a:pPr algn="ctr"/>
+            <a:r>
+              <a:rPr lang="en-US" sz="1200" dirty="0">
+                <a:solidFill>
+                  <a:schemeClr val="tx2"/>
+                </a:solidFill>
+              </a:rPr>
+              <a:t>BGP ECMP Routes</a:t>
+            </a:r>
+            <a:br>
+              <a:rPr lang="en-US" sz="1200" dirty="0">
+                <a:solidFill>
+                  <a:schemeClr val="tx2"/>
+                </a:solidFill>
+              </a:rPr>
+            </a:br>
+            <a:r>
+              <a:rPr lang="en-US" sz="1200" dirty="0">
+                <a:solidFill>
+                  <a:schemeClr val="tx2"/>
+                </a:solidFill>
+              </a:rPr>
+              <a:t>(gRPC)</a:t>
+            </a:r>
+          </a:p>
+        </p:txBody>
+      </p:sp>
+      <p:sp>
+        <p:nvSpPr>
+          <p:cNvPr id="61" name="TextBox 60">
+            <a:extLst>
+              <a:ext uri="{FF2B5EF4-FFF2-40B4-BE49-F238E27FC236}">
+                <a16:creationId xmlns:a16="http://schemas.microsoft.com/office/drawing/2014/main" id="{597DD0FD-A599-8648-9C14-C33E54D5F73C}"/>
+              </a:ext>
+            </a:extLst>
+          </p:cNvPr>
+          <p:cNvSpPr txBox="1"/>
+          <p:nvPr/>
+        </p:nvSpPr>
+        <p:spPr>
+          <a:xfrm>
+            <a:off x="7881538" y="1847632"/>
+            <a:ext cx="1434880" cy="461665"/>
+          </a:xfrm>
+          <a:prstGeom prst="rect">
+            <a:avLst/>
+          </a:prstGeom>
+          <a:noFill/>
+        </p:spPr>
+        <p:txBody>
+          <a:bodyPr wrap="none" rtlCol="0">
+            <a:spAutoFit/>
+          </a:bodyPr>
+          <a:lstStyle/>
+          <a:p>
+            <a:pPr algn="ctr"/>
+            <a:r>
+              <a:rPr lang="en-US" sz="1200" dirty="0">
+                <a:solidFill>
+                  <a:schemeClr val="tx2"/>
+                </a:solidFill>
+              </a:rPr>
+              <a:t>BFD Events &amp; Status</a:t>
+            </a:r>
+          </a:p>
+          <a:p>
+            <a:pPr algn="ctr"/>
+            <a:r>
+              <a:rPr lang="en-US" sz="1200" dirty="0">
+                <a:solidFill>
+                  <a:schemeClr val="tx2"/>
+                </a:solidFill>
+              </a:rPr>
+              <a:t>(MQTT &amp; NETCONF)</a:t>
+            </a:r>
+          </a:p>
+        </p:txBody>
+      </p:sp>
+      <p:cxnSp>
+        <p:nvCxnSpPr>
+          <p:cNvPr id="73" name="Straight Connector 72">
+            <a:extLst>
+              <a:ext uri="{FF2B5EF4-FFF2-40B4-BE49-F238E27FC236}">
+                <a16:creationId xmlns:a16="http://schemas.microsoft.com/office/drawing/2014/main" id="{EDE8D5D4-DB64-8F48-A9E7-1362E53AD0AA}"/>
+              </a:ext>
+            </a:extLst>
+          </p:cNvPr>
+          <p:cNvCxnSpPr>
+            <a:cxnSpLocks/>
+            <a:stCxn id="80" idx="2"/>
+            <a:endCxn id="8" idx="0"/>
+          </p:cNvCxnSpPr>
+          <p:nvPr/>
+        </p:nvCxnSpPr>
+        <p:spPr>
+          <a:xfrm>
+            <a:off x="10465853" y="1791975"/>
+            <a:ext cx="0" cy="265337"/>
+          </a:xfrm>
+          <a:prstGeom prst="line">
+            <a:avLst/>
+          </a:prstGeom>
+          <a:ln w="12700">
+            <a:solidFill>
+              <a:schemeClr val="tx2"/>
+            </a:solidFill>
+            <a:prstDash val="dash"/>
+            <a:tailEnd type="arrow"/>
+          </a:ln>
+        </p:spPr>
+        <p:style>
+          <a:lnRef idx="1">
+            <a:schemeClr val="accent1"/>
+          </a:lnRef>
+          <a:fillRef idx="0">
+            <a:schemeClr val="accent1"/>
+          </a:fillRef>
+          <a:effectRef idx="0">
+            <a:schemeClr val="accent1"/>
+          </a:effectRef>
+          <a:fontRef idx="minor">
+            <a:schemeClr val="tx1"/>
+          </a:fontRef>
+        </p:style>
+      </p:cxnSp>
+      <p:sp>
+        <p:nvSpPr>
+          <p:cNvPr id="80" name="Document 79">
+            <a:extLst>
+              <a:ext uri="{FF2B5EF4-FFF2-40B4-BE49-F238E27FC236}">
+                <a16:creationId xmlns:a16="http://schemas.microsoft.com/office/drawing/2014/main" id="{C321BF8C-7C32-FC4C-BC37-E22CEB019E75}"/>
+              </a:ext>
+            </a:extLst>
+          </p:cNvPr>
+          <p:cNvSpPr/>
+          <p:nvPr/>
+        </p:nvSpPr>
+        <p:spPr>
+          <a:xfrm>
+            <a:off x="9690938" y="1109385"/>
+            <a:ext cx="1549830" cy="730911"/>
+          </a:xfrm>
+          <a:prstGeom prst="flowChartDocument">
+            <a:avLst/>
+          </a:prstGeom>
+        </p:spPr>
+        <p:style>
+          <a:lnRef idx="1">
+            <a:schemeClr val="accent1"/>
+          </a:lnRef>
+          <a:fillRef idx="2">
+            <a:schemeClr val="accent1"/>
+          </a:fillRef>
+          <a:effectRef idx="1">
+            <a:schemeClr val="accent1"/>
+          </a:effectRef>
+          <a:fontRef idx="minor">
+            <a:schemeClr val="dk1"/>
+          </a:fontRef>
+        </p:style>
+        <p:txBody>
+          <a:bodyPr rtlCol="0" anchor="ctr"/>
+          <a:lstStyle/>
+          <a:p>
+            <a:pPr algn="ctr"/>
+            <a:r>
+              <a:rPr lang="en-US" dirty="0"/>
+              <a:t>Native Junos Config</a:t>
+            </a:r>
+          </a:p>
+        </p:txBody>
+      </p:sp>
+      <p:sp>
+        <p:nvSpPr>
+          <p:cNvPr id="82" name="TextBox 81">
+            <a:extLst>
+              <a:ext uri="{FF2B5EF4-FFF2-40B4-BE49-F238E27FC236}">
+                <a16:creationId xmlns:a16="http://schemas.microsoft.com/office/drawing/2014/main" id="{D70E2C90-07A4-7A48-99F1-B09592337F53}"/>
+              </a:ext>
+            </a:extLst>
+          </p:cNvPr>
+          <p:cNvSpPr txBox="1"/>
+          <p:nvPr/>
+        </p:nvSpPr>
+        <p:spPr>
+          <a:xfrm>
+            <a:off x="5349441" y="1885769"/>
+            <a:ext cx="1358449" cy="461665"/>
+          </a:xfrm>
+          <a:prstGeom prst="rect">
+            <a:avLst/>
+          </a:prstGeom>
+          <a:noFill/>
+        </p:spPr>
+        <p:txBody>
+          <a:bodyPr wrap="none" rtlCol="0">
+            <a:spAutoFit/>
+          </a:bodyPr>
+          <a:lstStyle/>
+          <a:p>
+            <a:pPr algn="ctr"/>
+            <a:r>
+              <a:rPr lang="en-US" sz="1200" dirty="0">
+                <a:solidFill>
+                  <a:schemeClr val="tx2"/>
+                </a:solidFill>
+              </a:rPr>
+              <a:t>Get runtime config</a:t>
+            </a:r>
+            <a:br>
+              <a:rPr lang="en-US" sz="1200" dirty="0">
+                <a:solidFill>
+                  <a:schemeClr val="tx2"/>
+                </a:solidFill>
+              </a:rPr>
+            </a:br>
+            <a:r>
+              <a:rPr lang="en-US" sz="1200" dirty="0">
+                <a:solidFill>
+                  <a:schemeClr val="tx2"/>
+                </a:solidFill>
+              </a:rPr>
+              <a:t>(yang format)</a:t>
+            </a:r>
+          </a:p>
+        </p:txBody>
+      </p:sp>
+      <p:sp>
+        <p:nvSpPr>
+          <p:cNvPr id="84" name="TextBox 83">
+            <a:extLst>
+              <a:ext uri="{FF2B5EF4-FFF2-40B4-BE49-F238E27FC236}">
+                <a16:creationId xmlns:a16="http://schemas.microsoft.com/office/drawing/2014/main" id="{547B03E3-87AE-044D-AD77-373846CF3D0C}"/>
+              </a:ext>
+            </a:extLst>
+          </p:cNvPr>
+          <p:cNvSpPr txBox="1"/>
+          <p:nvPr/>
+        </p:nvSpPr>
+        <p:spPr>
+          <a:xfrm>
+            <a:off x="6092624" y="2980225"/>
+            <a:ext cx="2721579" cy="276999"/>
+          </a:xfrm>
+          <a:prstGeom prst="rect">
+            <a:avLst/>
+          </a:prstGeom>
+          <a:noFill/>
+        </p:spPr>
+        <p:txBody>
+          <a:bodyPr wrap="none" rtlCol="0">
+            <a:spAutoFit/>
+          </a:bodyPr>
+          <a:lstStyle/>
+          <a:p>
+            <a:pPr algn="ctr"/>
+            <a:r>
+              <a:rPr lang="en-US" sz="1200" dirty="0">
+                <a:solidFill>
+                  <a:schemeClr val="tx2"/>
+                </a:solidFill>
+              </a:rPr>
+              <a:t>passthru-interface &lt;- (veth link) -&gt; 0/0/0 </a:t>
+            </a:r>
+          </a:p>
+        </p:txBody>
+      </p:sp>
+      <p:sp>
+        <p:nvSpPr>
+          <p:cNvPr id="85" name="TextBox 84">
+            <a:extLst>
+              <a:ext uri="{FF2B5EF4-FFF2-40B4-BE49-F238E27FC236}">
+                <a16:creationId xmlns:a16="http://schemas.microsoft.com/office/drawing/2014/main" id="{E98B7DD7-55A3-884A-959B-1792E273344D}"/>
+              </a:ext>
+            </a:extLst>
+          </p:cNvPr>
+          <p:cNvSpPr txBox="1"/>
+          <p:nvPr/>
+        </p:nvSpPr>
+        <p:spPr>
+          <a:xfrm>
+            <a:off x="6092624" y="3594214"/>
+            <a:ext cx="2721579" cy="276999"/>
+          </a:xfrm>
+          <a:prstGeom prst="rect">
+            <a:avLst/>
+          </a:prstGeom>
+          <a:noFill/>
+        </p:spPr>
+        <p:txBody>
+          <a:bodyPr wrap="none" rtlCol="0">
+            <a:spAutoFit/>
+          </a:bodyPr>
+          <a:lstStyle/>
+          <a:p>
+            <a:pPr algn="ctr"/>
+            <a:r>
+              <a:rPr lang="en-US" sz="1200" dirty="0">
+                <a:solidFill>
+                  <a:schemeClr val="tx2"/>
+                </a:solidFill>
+              </a:rPr>
+              <a:t>passthru-interface &lt;- (veth link) -&gt; 0/0/1 </a:t>
+            </a:r>
+          </a:p>
+        </p:txBody>
+      </p:sp>
+      <p:sp>
+        <p:nvSpPr>
+          <p:cNvPr id="86" name="TextBox 85">
+            <a:extLst>
+              <a:ext uri="{FF2B5EF4-FFF2-40B4-BE49-F238E27FC236}">
+                <a16:creationId xmlns:a16="http://schemas.microsoft.com/office/drawing/2014/main" id="{3201C47F-ADBF-FE41-B8AD-DD01357BED13}"/>
+              </a:ext>
+            </a:extLst>
+          </p:cNvPr>
+          <p:cNvSpPr txBox="1"/>
+          <p:nvPr/>
+        </p:nvSpPr>
+        <p:spPr>
+          <a:xfrm>
+            <a:off x="6092624" y="4543849"/>
+            <a:ext cx="2721579" cy="276999"/>
+          </a:xfrm>
+          <a:prstGeom prst="rect">
+            <a:avLst/>
+          </a:prstGeom>
+          <a:noFill/>
+        </p:spPr>
+        <p:txBody>
+          <a:bodyPr wrap="none" rtlCol="0">
+            <a:spAutoFit/>
+          </a:bodyPr>
+          <a:lstStyle/>
+          <a:p>
+            <a:pPr algn="ctr"/>
+            <a:r>
+              <a:rPr lang="en-US" sz="1200" dirty="0">
+                <a:solidFill>
+                  <a:schemeClr val="tx2"/>
+                </a:solidFill>
+              </a:rPr>
+              <a:t>passthru-interface &lt;- (veth link) -&gt; 0/0/n </a:t>
+            </a:r>
+          </a:p>
+        </p:txBody>
+      </p:sp>
+      <p:sp>
+        <p:nvSpPr>
+          <p:cNvPr id="87" name="TextBox 86">
+            <a:extLst>
+              <a:ext uri="{FF2B5EF4-FFF2-40B4-BE49-F238E27FC236}">
+                <a16:creationId xmlns:a16="http://schemas.microsoft.com/office/drawing/2014/main" id="{51B60EFB-291F-0C44-AE92-A356EBFA32D8}"/>
+              </a:ext>
+            </a:extLst>
+          </p:cNvPr>
+          <p:cNvSpPr txBox="1"/>
+          <p:nvPr/>
+        </p:nvSpPr>
+        <p:spPr>
+          <a:xfrm>
+            <a:off x="3090205" y="3048204"/>
+            <a:ext cx="514885" cy="276999"/>
+          </a:xfrm>
+          <a:prstGeom prst="rect">
+            <a:avLst/>
+          </a:prstGeom>
+          <a:noFill/>
+        </p:spPr>
+        <p:txBody>
+          <a:bodyPr wrap="none" rtlCol="0">
+            <a:spAutoFit/>
+          </a:bodyPr>
+          <a:lstStyle/>
+          <a:p>
+            <a:pPr algn="ctr"/>
+            <a:r>
+              <a:rPr lang="en-US" sz="1200" dirty="0">
+                <a:solidFill>
+                  <a:schemeClr val="tx2"/>
+                </a:solidFill>
+              </a:rPr>
+              <a:t>10GE</a:t>
+            </a:r>
+          </a:p>
+        </p:txBody>
+      </p:sp>
+      <p:sp>
+        <p:nvSpPr>
+          <p:cNvPr id="88" name="TextBox 87">
+            <a:extLst>
+              <a:ext uri="{FF2B5EF4-FFF2-40B4-BE49-F238E27FC236}">
+                <a16:creationId xmlns:a16="http://schemas.microsoft.com/office/drawing/2014/main" id="{FC7DEAD1-551C-8145-932A-CAB4592EAD62}"/>
+              </a:ext>
+            </a:extLst>
+          </p:cNvPr>
+          <p:cNvSpPr txBox="1"/>
+          <p:nvPr/>
+        </p:nvSpPr>
+        <p:spPr>
+          <a:xfrm>
+            <a:off x="3090205" y="3659143"/>
+            <a:ext cx="514885" cy="276999"/>
+          </a:xfrm>
+          <a:prstGeom prst="rect">
+            <a:avLst/>
+          </a:prstGeom>
+          <a:noFill/>
+        </p:spPr>
+        <p:txBody>
+          <a:bodyPr wrap="none" rtlCol="0">
+            <a:spAutoFit/>
+          </a:bodyPr>
+          <a:lstStyle/>
+          <a:p>
+            <a:pPr algn="ctr"/>
+            <a:r>
+              <a:rPr lang="en-US" sz="1200" dirty="0">
+                <a:solidFill>
+                  <a:schemeClr val="tx2"/>
+                </a:solidFill>
+              </a:rPr>
+              <a:t>10GE</a:t>
+            </a:r>
+          </a:p>
+        </p:txBody>
+      </p:sp>
+      <p:sp>
+        <p:nvSpPr>
+          <p:cNvPr id="89" name="TextBox 88">
+            <a:extLst>
+              <a:ext uri="{FF2B5EF4-FFF2-40B4-BE49-F238E27FC236}">
+                <a16:creationId xmlns:a16="http://schemas.microsoft.com/office/drawing/2014/main" id="{39D57455-069E-724C-BD82-D9F020C8DCEF}"/>
+              </a:ext>
+            </a:extLst>
+          </p:cNvPr>
+          <p:cNvSpPr txBox="1"/>
+          <p:nvPr/>
+        </p:nvSpPr>
+        <p:spPr>
+          <a:xfrm>
+            <a:off x="3090205" y="4602873"/>
+            <a:ext cx="514885" cy="276999"/>
+          </a:xfrm>
+          <a:prstGeom prst="rect">
+            <a:avLst/>
+          </a:prstGeom>
+          <a:noFill/>
+        </p:spPr>
+        <p:txBody>
+          <a:bodyPr wrap="none" rtlCol="0">
+            <a:spAutoFit/>
+          </a:bodyPr>
+          <a:lstStyle/>
+          <a:p>
+            <a:pPr algn="ctr"/>
+            <a:r>
+              <a:rPr lang="en-US" sz="1200" dirty="0">
+                <a:solidFill>
+                  <a:schemeClr val="tx2"/>
+                </a:solidFill>
+              </a:rPr>
+              <a:t>10GE</a:t>
+            </a:r>
+          </a:p>
+        </p:txBody>
+      </p:sp>
+      <p:sp>
+        <p:nvSpPr>
+          <p:cNvPr id="92" name="TextBox 91">
+            <a:extLst>
+              <a:ext uri="{FF2B5EF4-FFF2-40B4-BE49-F238E27FC236}">
+                <a16:creationId xmlns:a16="http://schemas.microsoft.com/office/drawing/2014/main" id="{4FEFF8D6-7625-3746-8E65-B39764AB7E00}"/>
+              </a:ext>
+            </a:extLst>
+          </p:cNvPr>
+          <p:cNvSpPr txBox="1"/>
+          <p:nvPr/>
+        </p:nvSpPr>
+        <p:spPr>
+          <a:xfrm>
+            <a:off x="1902339" y="3187830"/>
+            <a:ext cx="798745" cy="369332"/>
+          </a:xfrm>
+          <a:prstGeom prst="rect">
+            <a:avLst/>
+          </a:prstGeom>
+          <a:noFill/>
+        </p:spPr>
+        <p:txBody>
+          <a:bodyPr wrap="none" rtlCol="0">
+            <a:spAutoFit/>
+          </a:bodyPr>
+          <a:lstStyle/>
+          <a:p>
+            <a:r>
+              <a:rPr lang="en-US" dirty="0"/>
+              <a:t>DCGW</a:t>
+            </a:r>
+          </a:p>
+        </p:txBody>
+      </p:sp>
+      <p:cxnSp>
+        <p:nvCxnSpPr>
+          <p:cNvPr id="96" name="Straight Connector 95">
+            <a:extLst>
+              <a:ext uri="{FF2B5EF4-FFF2-40B4-BE49-F238E27FC236}">
+                <a16:creationId xmlns:a16="http://schemas.microsoft.com/office/drawing/2014/main" id="{D7C9D8EA-5F98-1E4E-A2A7-91EBD711D1B2}"/>
+              </a:ext>
+            </a:extLst>
+          </p:cNvPr>
+          <p:cNvCxnSpPr>
+            <a:cxnSpLocks/>
+            <a:stCxn id="7" idx="2"/>
+            <a:endCxn id="4" idx="0"/>
+          </p:cNvCxnSpPr>
+          <p:nvPr/>
+        </p:nvCxnSpPr>
+        <p:spPr>
+          <a:xfrm>
+            <a:off x="4440974" y="2587611"/>
+            <a:ext cx="0" cy="460594"/>
+          </a:xfrm>
+          <a:prstGeom prst="line">
+            <a:avLst/>
+          </a:prstGeom>
+          <a:ln w="12700">
+            <a:solidFill>
+              <a:schemeClr val="accent6"/>
+            </a:solidFill>
+            <a:prstDash val="dash"/>
+            <a:tailEnd type="arrow"/>
+          </a:ln>
+        </p:spPr>
+        <p:style>
+          <a:lnRef idx="1">
+            <a:schemeClr val="accent1"/>
+          </a:lnRef>
+          <a:fillRef idx="0">
+            <a:schemeClr val="accent1"/>
+          </a:fillRef>
+          <a:effectRef idx="0">
+            <a:schemeClr val="accent1"/>
+          </a:effectRef>
+          <a:fontRef idx="minor">
+            <a:schemeClr val="tx1"/>
+          </a:fontRef>
+        </p:style>
+      </p:cxnSp>
+      <p:cxnSp>
+        <p:nvCxnSpPr>
+          <p:cNvPr id="99" name="Straight Connector 98">
+            <a:extLst>
+              <a:ext uri="{FF2B5EF4-FFF2-40B4-BE49-F238E27FC236}">
+                <a16:creationId xmlns:a16="http://schemas.microsoft.com/office/drawing/2014/main" id="{3F6F8EF2-440A-DB43-8F5B-0F9A67C9EBB2}"/>
+              </a:ext>
+            </a:extLst>
+          </p:cNvPr>
+          <p:cNvCxnSpPr>
+            <a:cxnSpLocks/>
+            <a:stCxn id="5" idx="2"/>
+            <a:endCxn id="6" idx="0"/>
+          </p:cNvCxnSpPr>
+          <p:nvPr/>
+        </p:nvCxnSpPr>
+        <p:spPr>
+          <a:xfrm>
+            <a:off x="4440974" y="4139389"/>
+            <a:ext cx="0" cy="472440"/>
+          </a:xfrm>
+          <a:prstGeom prst="line">
+            <a:avLst/>
+          </a:prstGeom>
+          <a:ln w="12700">
+            <a:solidFill>
+              <a:schemeClr val="accent6"/>
+            </a:solidFill>
+            <a:prstDash val="dash"/>
+            <a:tailEnd type="arrow"/>
+          </a:ln>
+        </p:spPr>
+        <p:style>
+          <a:lnRef idx="1">
+            <a:schemeClr val="accent1"/>
+          </a:lnRef>
+          <a:fillRef idx="0">
+            <a:schemeClr val="accent1"/>
+          </a:fillRef>
+          <a:effectRef idx="0">
+            <a:schemeClr val="accent1"/>
+          </a:effectRef>
+          <a:fontRef idx="minor">
+            <a:schemeClr val="tx1"/>
+          </a:fontRef>
+        </p:style>
+      </p:cxnSp>
+      <p:cxnSp>
+        <p:nvCxnSpPr>
+          <p:cNvPr id="102" name="Straight Connector 101">
+            <a:extLst>
+              <a:ext uri="{FF2B5EF4-FFF2-40B4-BE49-F238E27FC236}">
+                <a16:creationId xmlns:a16="http://schemas.microsoft.com/office/drawing/2014/main" id="{EBE00B31-2C2F-8048-98A8-31457E5907C9}"/>
+              </a:ext>
+            </a:extLst>
+          </p:cNvPr>
+          <p:cNvCxnSpPr>
+            <a:cxnSpLocks/>
+            <a:stCxn id="4" idx="2"/>
+            <a:endCxn id="5" idx="0"/>
+          </p:cNvCxnSpPr>
+          <p:nvPr/>
+        </p:nvCxnSpPr>
+        <p:spPr>
+          <a:xfrm>
+            <a:off x="4440974" y="3523693"/>
+            <a:ext cx="0" cy="140208"/>
+          </a:xfrm>
+          <a:prstGeom prst="line">
+            <a:avLst/>
+          </a:prstGeom>
+          <a:ln w="12700">
+            <a:solidFill>
+              <a:schemeClr val="accent6"/>
+            </a:solidFill>
+            <a:prstDash val="dash"/>
+            <a:tailEnd type="arrow"/>
+          </a:ln>
+        </p:spPr>
+        <p:style>
+          <a:lnRef idx="1">
+            <a:schemeClr val="accent1"/>
+          </a:lnRef>
+          <a:fillRef idx="0">
+            <a:schemeClr val="accent1"/>
+          </a:fillRef>
+          <a:effectRef idx="0">
+            <a:schemeClr val="accent1"/>
+          </a:effectRef>
+          <a:fontRef idx="minor">
+            <a:schemeClr val="tx1"/>
+          </a:fontRef>
+        </p:style>
+      </p:cxnSp>
+      <p:cxnSp>
+        <p:nvCxnSpPr>
+          <p:cNvPr id="2" name="Straight Arrow Connector 1">
+            <a:extLst>
+              <a:ext uri="{FF2B5EF4-FFF2-40B4-BE49-F238E27FC236}">
+                <a16:creationId xmlns:a16="http://schemas.microsoft.com/office/drawing/2014/main" id="{F0946BDF-BF92-904A-BB0F-646A9B4613B3}"/>
+              </a:ext>
+            </a:extLst>
+          </p:cNvPr>
+          <p:cNvCxnSpPr>
+            <a:cxnSpLocks/>
+          </p:cNvCxnSpPr>
+          <p:nvPr/>
+        </p:nvCxnSpPr>
+        <p:spPr>
+          <a:xfrm>
+            <a:off x="2414418" y="5503333"/>
+            <a:ext cx="8011277" cy="0"/>
+          </a:xfrm>
+          <a:prstGeom prst="straightConnector1">
+            <a:avLst/>
+          </a:prstGeom>
+          <a:ln w="9525" cap="flat" cmpd="sng" algn="ctr">
+            <a:solidFill>
+              <a:schemeClr val="dk1"/>
+            </a:solidFill>
+            <a:prstDash val="dash"/>
+            <a:round/>
+            <a:headEnd type="arrow" w="lg" len="lg"/>
+            <a:tailEnd type="arrow" w="lg" len="lg"/>
+          </a:ln>
+        </p:spPr>
+        <p:style>
+          <a:lnRef idx="0">
+            <a:scrgbClr r="0" g="0" b="0"/>
+          </a:lnRef>
+          <a:fillRef idx="0">
+            <a:scrgbClr r="0" g="0" b="0"/>
+          </a:fillRef>
+          <a:effectRef idx="0">
+            <a:scrgbClr r="0" g="0" b="0"/>
+          </a:effectRef>
+          <a:fontRef idx="minor">
+            <a:schemeClr val="tx1"/>
+          </a:fontRef>
+        </p:style>
+      </p:cxnSp>
+      <p:sp>
+        <p:nvSpPr>
+          <p:cNvPr id="18" name="TextBox 17">
+            <a:extLst>
+              <a:ext uri="{FF2B5EF4-FFF2-40B4-BE49-F238E27FC236}">
+                <a16:creationId xmlns:a16="http://schemas.microsoft.com/office/drawing/2014/main" id="{6B2F5410-D397-3F4E-9C20-514B4E47F818}"/>
+              </a:ext>
+            </a:extLst>
+          </p:cNvPr>
+          <p:cNvSpPr txBox="1"/>
+          <p:nvPr/>
+        </p:nvSpPr>
+        <p:spPr>
+          <a:xfrm>
+            <a:off x="4482841" y="5178056"/>
+            <a:ext cx="4377993" cy="276999"/>
+          </a:xfrm>
+          <a:prstGeom prst="rect">
+            <a:avLst/>
+          </a:prstGeom>
+          <a:noFill/>
+        </p:spPr>
+        <p:txBody>
+          <a:bodyPr wrap="none" rtlCol="0">
+            <a:spAutoFit/>
+          </a:bodyPr>
+          <a:lstStyle>
+            <a:defPPr>
+              <a:defRPr lang="en-US"/>
+            </a:defPPr>
+            <a:lvl1pPr algn="ctr">
+              <a:defRPr sz="1200">
+                <a:solidFill>
+                  <a:schemeClr val="tx2"/>
+                </a:solidFill>
+              </a:defRPr>
+            </a:lvl1pPr>
+          </a:lstStyle>
+          <a:p>
+            <a:r>
+              <a:rPr lang="en-US" dirty="0"/>
+              <a:t>BFD protected BGP sessions per interface between DCGW and vMX</a:t>
+            </a:r>
+          </a:p>
+        </p:txBody>
+      </p:sp>
+      <p:cxnSp>
+        <p:nvCxnSpPr>
+          <p:cNvPr id="9" name="Straight Connector 8">
+            <a:extLst>
+              <a:ext uri="{FF2B5EF4-FFF2-40B4-BE49-F238E27FC236}">
+                <a16:creationId xmlns:a16="http://schemas.microsoft.com/office/drawing/2014/main" id="{A8050F55-19DD-0040-AD2D-4B072F7C0CB0}"/>
+              </a:ext>
+            </a:extLst>
+          </p:cNvPr>
+          <p:cNvCxnSpPr>
+            <a:cxnSpLocks/>
+          </p:cNvCxnSpPr>
+          <p:nvPr/>
+        </p:nvCxnSpPr>
+        <p:spPr>
+          <a:xfrm flipV="1">
+            <a:off x="1810732" y="3297502"/>
+            <a:ext cx="1370336" cy="712440"/>
+          </a:xfrm>
+          <a:prstGeom prst="line">
+            <a:avLst/>
+          </a:prstGeom>
+          <a:ln w="177800" cap="rnd">
+            <a:solidFill>
+              <a:schemeClr val="accent2">
+                <a:alpha val="36000"/>
+              </a:schemeClr>
+            </a:solidFill>
+          </a:ln>
+        </p:spPr>
+        <p:style>
+          <a:lnRef idx="1">
+            <a:schemeClr val="accent1"/>
+          </a:lnRef>
+          <a:fillRef idx="0">
+            <a:schemeClr val="accent1"/>
+          </a:fillRef>
+          <a:effectRef idx="0">
+            <a:schemeClr val="accent1"/>
+          </a:effectRef>
+          <a:fontRef idx="minor">
+            <a:schemeClr val="tx1"/>
+          </a:fontRef>
+        </p:style>
+      </p:cxnSp>
+      <p:cxnSp>
+        <p:nvCxnSpPr>
+          <p:cNvPr id="46" name="Straight Connector 45">
+            <a:extLst>
+              <a:ext uri="{FF2B5EF4-FFF2-40B4-BE49-F238E27FC236}">
+                <a16:creationId xmlns:a16="http://schemas.microsoft.com/office/drawing/2014/main" id="{ED3248D5-E718-2A4B-B490-2A917AAF9156}"/>
+              </a:ext>
+            </a:extLst>
+          </p:cNvPr>
+          <p:cNvCxnSpPr>
+            <a:cxnSpLocks/>
+          </p:cNvCxnSpPr>
+          <p:nvPr/>
+        </p:nvCxnSpPr>
+        <p:spPr>
+          <a:xfrm flipH="1" flipV="1">
+            <a:off x="3168951" y="3285948"/>
+            <a:ext cx="6400790" cy="36791"/>
+          </a:xfrm>
+          <a:prstGeom prst="line">
+            <a:avLst/>
+          </a:prstGeom>
+          <a:ln w="177800">
+            <a:solidFill>
+              <a:schemeClr val="accent2">
+                <a:alpha val="36000"/>
+              </a:schemeClr>
+            </a:solidFill>
+          </a:ln>
+        </p:spPr>
+        <p:style>
+          <a:lnRef idx="1">
+            <a:schemeClr val="accent1"/>
+          </a:lnRef>
+          <a:fillRef idx="0">
+            <a:schemeClr val="accent1"/>
+          </a:fillRef>
+          <a:effectRef idx="0">
+            <a:schemeClr val="accent1"/>
+          </a:effectRef>
+          <a:fontRef idx="minor">
+            <a:schemeClr val="tx1"/>
+          </a:fontRef>
+        </p:style>
+      </p:cxnSp>
+      <p:cxnSp>
+        <p:nvCxnSpPr>
+          <p:cNvPr id="48" name="Straight Connector 47">
+            <a:extLst>
+              <a:ext uri="{FF2B5EF4-FFF2-40B4-BE49-F238E27FC236}">
+                <a16:creationId xmlns:a16="http://schemas.microsoft.com/office/drawing/2014/main" id="{75930772-EDD5-C743-9A0B-BA271FA599E3}"/>
+              </a:ext>
+            </a:extLst>
+          </p:cNvPr>
+          <p:cNvCxnSpPr>
+            <a:cxnSpLocks/>
+          </p:cNvCxnSpPr>
+          <p:nvPr/>
+        </p:nvCxnSpPr>
+        <p:spPr>
+          <a:xfrm flipH="1" flipV="1">
+            <a:off x="3214580" y="3893140"/>
+            <a:ext cx="6384034" cy="7318"/>
+          </a:xfrm>
+          <a:prstGeom prst="line">
+            <a:avLst/>
+          </a:prstGeom>
+          <a:ln w="177800">
+            <a:solidFill>
+              <a:schemeClr val="accent2">
+                <a:alpha val="36000"/>
+              </a:schemeClr>
+            </a:solidFill>
+          </a:ln>
+        </p:spPr>
+        <p:style>
+          <a:lnRef idx="1">
+            <a:schemeClr val="accent1"/>
+          </a:lnRef>
+          <a:fillRef idx="0">
+            <a:schemeClr val="accent1"/>
+          </a:fillRef>
+          <a:effectRef idx="0">
+            <a:schemeClr val="accent1"/>
+          </a:effectRef>
+          <a:fontRef idx="minor">
+            <a:schemeClr val="tx1"/>
+          </a:fontRef>
+        </p:style>
+      </p:cxnSp>
+      <p:cxnSp>
+        <p:nvCxnSpPr>
+          <p:cNvPr id="50" name="Straight Connector 49">
+            <a:extLst>
+              <a:ext uri="{FF2B5EF4-FFF2-40B4-BE49-F238E27FC236}">
+                <a16:creationId xmlns:a16="http://schemas.microsoft.com/office/drawing/2014/main" id="{8D2EF4D7-2D4F-FA4B-BD1D-3E9A71C61796}"/>
+              </a:ext>
+            </a:extLst>
+          </p:cNvPr>
+          <p:cNvCxnSpPr>
+            <a:cxnSpLocks/>
+          </p:cNvCxnSpPr>
+          <p:nvPr/>
+        </p:nvCxnSpPr>
+        <p:spPr>
+          <a:xfrm flipH="1" flipV="1">
+            <a:off x="3197825" y="4841068"/>
+            <a:ext cx="6371916" cy="8504"/>
+          </a:xfrm>
+          <a:prstGeom prst="line">
+            <a:avLst/>
+          </a:prstGeom>
+          <a:ln w="177800">
+            <a:solidFill>
+              <a:schemeClr val="accent2">
+                <a:alpha val="36000"/>
+              </a:schemeClr>
+            </a:solidFill>
+          </a:ln>
+        </p:spPr>
+        <p:style>
+          <a:lnRef idx="1">
+            <a:schemeClr val="accent1"/>
+          </a:lnRef>
+          <a:fillRef idx="0">
+            <a:schemeClr val="accent1"/>
+          </a:fillRef>
+          <a:effectRef idx="0">
+            <a:schemeClr val="accent1"/>
+          </a:effectRef>
+          <a:fontRef idx="minor">
+            <a:schemeClr val="tx1"/>
+          </a:fontRef>
+        </p:style>
+      </p:cxnSp>
+      <p:cxnSp>
+        <p:nvCxnSpPr>
+          <p:cNvPr id="53" name="Straight Connector 52">
+            <a:extLst>
+              <a:ext uri="{FF2B5EF4-FFF2-40B4-BE49-F238E27FC236}">
+                <a16:creationId xmlns:a16="http://schemas.microsoft.com/office/drawing/2014/main" id="{D2312ED8-A6EC-3D43-B12D-0B4B77CAC77A}"/>
+              </a:ext>
+            </a:extLst>
+          </p:cNvPr>
+          <p:cNvCxnSpPr>
+            <a:cxnSpLocks/>
+            <a:stCxn id="26" idx="1"/>
+          </p:cNvCxnSpPr>
+          <p:nvPr/>
+        </p:nvCxnSpPr>
+        <p:spPr>
+          <a:xfrm flipV="1">
+            <a:off x="1827488" y="3900460"/>
+            <a:ext cx="1387092" cy="97458"/>
+          </a:xfrm>
+          <a:prstGeom prst="line">
+            <a:avLst/>
+          </a:prstGeom>
+          <a:ln w="177800">
+            <a:solidFill>
+              <a:schemeClr val="accent2">
+                <a:alpha val="36000"/>
+              </a:schemeClr>
+            </a:solidFill>
+          </a:ln>
+        </p:spPr>
+        <p:style>
+          <a:lnRef idx="1">
+            <a:schemeClr val="accent1"/>
+          </a:lnRef>
+          <a:fillRef idx="0">
+            <a:schemeClr val="accent1"/>
+          </a:fillRef>
+          <a:effectRef idx="0">
+            <a:schemeClr val="accent1"/>
+          </a:effectRef>
+          <a:fontRef idx="minor">
+            <a:schemeClr val="tx1"/>
+          </a:fontRef>
+        </p:style>
+      </p:cxnSp>
+      <p:cxnSp>
+        <p:nvCxnSpPr>
+          <p:cNvPr id="56" name="Straight Connector 55">
+            <a:extLst>
+              <a:ext uri="{FF2B5EF4-FFF2-40B4-BE49-F238E27FC236}">
+                <a16:creationId xmlns:a16="http://schemas.microsoft.com/office/drawing/2014/main" id="{083DEBA1-DFC6-1647-9609-EABE4644616B}"/>
+              </a:ext>
+            </a:extLst>
+          </p:cNvPr>
+          <p:cNvCxnSpPr>
+            <a:cxnSpLocks/>
+            <a:stCxn id="26" idx="1"/>
+          </p:cNvCxnSpPr>
+          <p:nvPr/>
+        </p:nvCxnSpPr>
+        <p:spPr>
+          <a:xfrm>
+            <a:off x="1827488" y="3997918"/>
+            <a:ext cx="1341463" cy="850988"/>
+          </a:xfrm>
+          <a:prstGeom prst="line">
+            <a:avLst/>
+          </a:prstGeom>
+          <a:ln w="177800" cap="rnd">
+            <a:solidFill>
+              <a:schemeClr val="accent2">
+                <a:alpha val="36000"/>
+              </a:schemeClr>
+            </a:solidFill>
+          </a:ln>
+        </p:spPr>
+        <p:style>
+          <a:lnRef idx="1">
+            <a:schemeClr val="accent1"/>
+          </a:lnRef>
+          <a:fillRef idx="0">
+            <a:schemeClr val="accent1"/>
+          </a:fillRef>
+          <a:effectRef idx="0">
+            <a:schemeClr val="accent1"/>
+          </a:effectRef>
+          <a:fontRef idx="minor">
+            <a:schemeClr val="tx1"/>
+          </a:fontRef>
+        </p:style>
+      </p:cxnSp>
+      <p:cxnSp>
+        <p:nvCxnSpPr>
+          <p:cNvPr id="75" name="Straight Connector 74">
+            <a:extLst>
+              <a:ext uri="{FF2B5EF4-FFF2-40B4-BE49-F238E27FC236}">
+                <a16:creationId xmlns:a16="http://schemas.microsoft.com/office/drawing/2014/main" id="{7E4C85C8-95B6-9E41-BA5C-155BCBB30FEF}"/>
+              </a:ext>
+            </a:extLst>
+          </p:cNvPr>
+          <p:cNvCxnSpPr>
+            <a:cxnSpLocks/>
+          </p:cNvCxnSpPr>
+          <p:nvPr/>
+        </p:nvCxnSpPr>
+        <p:spPr>
+          <a:xfrm flipH="1">
+            <a:off x="2598346" y="5503333"/>
+            <a:ext cx="7659230" cy="0"/>
+          </a:xfrm>
+          <a:prstGeom prst="line">
+            <a:avLst/>
+          </a:prstGeom>
+          <a:ln w="177800">
+            <a:solidFill>
+              <a:schemeClr val="accent2">
+                <a:alpha val="36000"/>
+              </a:schemeClr>
+            </a:solidFill>
+            <a:tailEnd w="lg" len="lg"/>
+          </a:ln>
+        </p:spPr>
+        <p:style>
+          <a:lnRef idx="1">
+            <a:schemeClr val="accent1"/>
+          </a:lnRef>
+          <a:fillRef idx="0">
+            <a:schemeClr val="accent1"/>
+          </a:fillRef>
+          <a:effectRef idx="0">
+            <a:schemeClr val="accent1"/>
+          </a:effectRef>
+          <a:fontRef idx="minor">
+            <a:schemeClr val="tx1"/>
+          </a:fontRef>
+        </p:style>
+      </p:cxnSp>
+      <p:sp>
+        <p:nvSpPr>
+          <p:cNvPr id="8" name="Rectangle 7">
+            <a:extLst>
+              <a:ext uri="{FF2B5EF4-FFF2-40B4-BE49-F238E27FC236}">
+                <a16:creationId xmlns:a16="http://schemas.microsoft.com/office/drawing/2014/main" id="{D7014436-132E-4746-80C3-83893783F25C}"/>
+              </a:ext>
+            </a:extLst>
+          </p:cNvPr>
+          <p:cNvSpPr/>
+          <p:nvPr/>
+        </p:nvSpPr>
+        <p:spPr>
+          <a:xfrm>
+            <a:off x="9569741" y="2057312"/>
+            <a:ext cx="1792224" cy="3069257"/>
+          </a:xfrm>
+          <a:prstGeom prst="rect">
+            <a:avLst/>
+          </a:prstGeom>
+          <a:solidFill>
+            <a:schemeClr val="tx2"/>
+          </a:solidFill>
+        </p:spPr>
+        <p:style>
+          <a:lnRef idx="2">
+            <a:schemeClr val="accent1">
+              <a:shade val="50000"/>
+            </a:schemeClr>
+          </a:lnRef>
+          <a:fillRef idx="1">
+            <a:schemeClr val="accent1"/>
+          </a:fillRef>
+          <a:effectRef idx="0">
+            <a:schemeClr val="accent1"/>
+          </a:effectRef>
+          <a:fontRef idx="minor">
+            <a:schemeClr val="lt1"/>
+          </a:fontRef>
+        </p:style>
+        <p:txBody>
+          <a:bodyPr rtlCol="0" anchor="ctr"/>
+          <a:lstStyle/>
+          <a:p>
+            <a:pPr algn="ctr"/>
+            <a:r>
+              <a:rPr lang="en-US" dirty="0"/>
+              <a:t>Juniper</a:t>
+            </a:r>
+          </a:p>
+          <a:p>
+            <a:pPr algn="ctr"/>
+            <a:r>
+              <a:rPr lang="en-US" dirty="0"/>
+              <a:t>vMX</a:t>
+            </a:r>
+          </a:p>
+        </p:txBody>
+      </p:sp>
+      <p:pic>
+        <p:nvPicPr>
+          <p:cNvPr id="94" name="Picture 93" descr="cloud_gry.pngdd">
+            <a:extLst>
+              <a:ext uri="{FF2B5EF4-FFF2-40B4-BE49-F238E27FC236}">
+                <a16:creationId xmlns:a16="http://schemas.microsoft.com/office/drawing/2014/main" id="{4A56E900-B999-9243-9F7F-D4E0C991CC07}"/>
+              </a:ext>
+            </a:extLst>
+          </p:cNvPr>
+          <p:cNvPicPr>
+            <a:picLocks noChangeAspect="1"/>
+          </p:cNvPicPr>
+          <p:nvPr/>
+        </p:nvPicPr>
+        <p:blipFill>
+          <a:blip r:embed="rId2" cstate="screen">
+            <a:extLst>
+              <a:ext uri="{28A0092B-C50C-407E-A947-70E740481C1C}">
+                <a14:useLocalDpi xmlns:a14="http://schemas.microsoft.com/office/drawing/2010/main"/>
+              </a:ext>
+            </a:extLst>
+          </a:blip>
+          <a:stretch>
+            <a:fillRect/>
+          </a:stretch>
+        </p:blipFill>
+        <p:spPr>
+          <a:xfrm>
+            <a:off x="669804" y="3557162"/>
+            <a:ext cx="1232535" cy="655320"/>
+          </a:xfrm>
+          <a:prstGeom prst="rect">
+            <a:avLst/>
+          </a:prstGeom>
+        </p:spPr>
+      </p:pic>
+      <p:pic>
+        <p:nvPicPr>
+          <p:cNvPr id="26" name="Picture 25" descr="Generic_logical Router.png">
+            <a:extLst>
+              <a:ext uri="{FF2B5EF4-FFF2-40B4-BE49-F238E27FC236}">
+                <a16:creationId xmlns:a16="http://schemas.microsoft.com/office/drawing/2014/main" id="{4D78012F-FEB8-E047-AB9F-FF8D315CE7D3}"/>
+              </a:ext>
+            </a:extLst>
+          </p:cNvPr>
+          <p:cNvPicPr>
+            <a:picLocks noChangeAspect="1"/>
+          </p:cNvPicPr>
+          <p:nvPr/>
+        </p:nvPicPr>
+        <p:blipFill>
+          <a:blip r:embed="rId3">
+            <a:extLst>
+              <a:ext uri="{28A0092B-C50C-407E-A947-70E740481C1C}">
+                <a14:useLocalDpi xmlns:a14="http://schemas.microsoft.com/office/drawing/2010/main" val="0"/>
+              </a:ext>
+            </a:extLst>
+          </a:blip>
+          <a:stretch>
+            <a:fillRect/>
+          </a:stretch>
+        </p:blipFill>
+        <p:spPr>
+          <a:xfrm>
+            <a:off x="1827488" y="3523693"/>
+            <a:ext cx="948449" cy="948449"/>
+          </a:xfrm>
+          <a:prstGeom prst="rect">
+            <a:avLst/>
+          </a:prstGeom>
+        </p:spPr>
+      </p:pic>
+      <p:sp>
+        <p:nvSpPr>
+          <p:cNvPr id="4" name="Rectangle 3">
+            <a:extLst>
+              <a:ext uri="{FF2B5EF4-FFF2-40B4-BE49-F238E27FC236}">
+                <a16:creationId xmlns:a16="http://schemas.microsoft.com/office/drawing/2014/main" id="{7EF3B84D-6E23-5F48-A6B3-F905D6422F6C}"/>
+              </a:ext>
+            </a:extLst>
+          </p:cNvPr>
+          <p:cNvSpPr/>
+          <p:nvPr/>
+        </p:nvSpPr>
+        <p:spPr>
+          <a:xfrm>
+            <a:off x="3544862" y="3048205"/>
             <a:ext cx="1792224" cy="475488"/>
           </a:xfrm>
           <a:prstGeom prst="rect">
@@ -3462,10 +5302,10 @@
       </p:sp>
       <p:sp>
         <p:nvSpPr>
-          <p:cNvPr id="6" name="Rectangle 5">
-            <a:extLst>
-              <a:ext uri="{FF2B5EF4-FFF2-40B4-BE49-F238E27FC236}">
-                <a16:creationId xmlns:a16="http://schemas.microsoft.com/office/drawing/2014/main" id="{0E9B751F-32CD-B548-92A0-E1A22FA70E3A}"/>
+          <p:cNvPr id="5" name="Rectangle 4">
+            <a:extLst>
+              <a:ext uri="{FF2B5EF4-FFF2-40B4-BE49-F238E27FC236}">
+                <a16:creationId xmlns:a16="http://schemas.microsoft.com/office/drawing/2014/main" id="{434B0C25-6356-B846-A18B-46A84B1D842E}"/>
               </a:ext>
             </a:extLst>
           </p:cNvPr>
@@ -3474,7 +5314,7 @@
         </p:nvSpPr>
         <p:spPr>
           <a:xfrm>
-            <a:off x="3544862" y="4611829"/>
+            <a:off x="3544862" y="3663901"/>
             <a:ext cx="1792224" cy="475488"/>
           </a:xfrm>
           <a:prstGeom prst="rect">
@@ -3511,10 +5351,10 @@
       </p:sp>
       <p:sp>
         <p:nvSpPr>
-          <p:cNvPr id="7" name="Rectangle 6">
-            <a:extLst>
-              <a:ext uri="{FF2B5EF4-FFF2-40B4-BE49-F238E27FC236}">
-                <a16:creationId xmlns:a16="http://schemas.microsoft.com/office/drawing/2014/main" id="{553C3E95-759B-4245-AAE7-6307809A5232}"/>
+          <p:cNvPr id="6" name="Rectangle 5">
+            <a:extLst>
+              <a:ext uri="{FF2B5EF4-FFF2-40B4-BE49-F238E27FC236}">
+                <a16:creationId xmlns:a16="http://schemas.microsoft.com/office/drawing/2014/main" id="{0E9B751F-32CD-B548-92A0-E1A22FA70E3A}"/>
               </a:ext>
             </a:extLst>
           </p:cNvPr>
@@ -3523,7 +5363,7 @@
         </p:nvSpPr>
         <p:spPr>
           <a:xfrm>
-            <a:off x="3544862" y="2112123"/>
+            <a:off x="3544862" y="4611829"/>
             <a:ext cx="1792224" cy="475488"/>
           </a:xfrm>
           <a:prstGeom prst="rect">
@@ -3553,1507 +5393,7 @@
             <a:pPr algn="ctr"/>
             <a:r>
               <a:rPr lang="en-US" dirty="0"/>
-              <a:t>Snabb LwAFTR</a:t>
-            </a:r>
-          </a:p>
-        </p:txBody>
-      </p:sp>
-      <p:cxnSp>
-        <p:nvCxnSpPr>
-          <p:cNvPr id="10" name="Straight Connector 9">
-            <a:extLst>
-              <a:ext uri="{FF2B5EF4-FFF2-40B4-BE49-F238E27FC236}">
-                <a16:creationId xmlns:a16="http://schemas.microsoft.com/office/drawing/2014/main" id="{D9280B7D-7703-6549-A1B5-A6AAE5F3C682}"/>
-              </a:ext>
-            </a:extLst>
-          </p:cNvPr>
-          <p:cNvCxnSpPr>
-            <a:cxnSpLocks/>
-            <a:stCxn id="4" idx="3"/>
-          </p:cNvCxnSpPr>
-          <p:nvPr/>
-        </p:nvCxnSpPr>
-        <p:spPr>
-          <a:xfrm>
-            <a:off x="5337086" y="3285949"/>
-            <a:ext cx="4589602" cy="0"/>
-          </a:xfrm>
-          <a:prstGeom prst="line">
-            <a:avLst/>
-          </a:prstGeom>
-          <a:ln w="12700"/>
-        </p:spPr>
-        <p:style>
-          <a:lnRef idx="1">
-            <a:schemeClr val="accent1"/>
-          </a:lnRef>
-          <a:fillRef idx="0">
-            <a:schemeClr val="accent1"/>
-          </a:fillRef>
-          <a:effectRef idx="0">
-            <a:schemeClr val="accent1"/>
-          </a:effectRef>
-          <a:fontRef idx="minor">
-            <a:schemeClr val="tx1"/>
-          </a:fontRef>
-        </p:style>
-      </p:cxnSp>
-      <p:cxnSp>
-        <p:nvCxnSpPr>
-          <p:cNvPr id="12" name="Straight Connector 11">
-            <a:extLst>
-              <a:ext uri="{FF2B5EF4-FFF2-40B4-BE49-F238E27FC236}">
-                <a16:creationId xmlns:a16="http://schemas.microsoft.com/office/drawing/2014/main" id="{610D6C77-B098-BE42-99AF-1FEA09AD96F2}"/>
-              </a:ext>
-            </a:extLst>
-          </p:cNvPr>
-          <p:cNvCxnSpPr>
-            <a:cxnSpLocks/>
-            <a:stCxn id="5" idx="3"/>
-          </p:cNvCxnSpPr>
-          <p:nvPr/>
-        </p:nvCxnSpPr>
-        <p:spPr>
-          <a:xfrm>
-            <a:off x="5337086" y="3901645"/>
-            <a:ext cx="4589602" cy="0"/>
-          </a:xfrm>
-          <a:prstGeom prst="line">
-            <a:avLst/>
-          </a:prstGeom>
-          <a:ln w="12700"/>
-        </p:spPr>
-        <p:style>
-          <a:lnRef idx="1">
-            <a:schemeClr val="accent1"/>
-          </a:lnRef>
-          <a:fillRef idx="0">
-            <a:schemeClr val="accent1"/>
-          </a:fillRef>
-          <a:effectRef idx="0">
-            <a:schemeClr val="accent1"/>
-          </a:effectRef>
-          <a:fontRef idx="minor">
-            <a:schemeClr val="tx1"/>
-          </a:fontRef>
-        </p:style>
-      </p:cxnSp>
-      <p:cxnSp>
-        <p:nvCxnSpPr>
-          <p:cNvPr id="14" name="Straight Connector 13">
-            <a:extLst>
-              <a:ext uri="{FF2B5EF4-FFF2-40B4-BE49-F238E27FC236}">
-                <a16:creationId xmlns:a16="http://schemas.microsoft.com/office/drawing/2014/main" id="{5E80C0AE-2E5A-5543-901F-F0667EE0D2C1}"/>
-              </a:ext>
-            </a:extLst>
-          </p:cNvPr>
-          <p:cNvCxnSpPr>
-            <a:cxnSpLocks/>
-            <a:stCxn id="6" idx="3"/>
-          </p:cNvCxnSpPr>
-          <p:nvPr/>
-        </p:nvCxnSpPr>
-        <p:spPr>
-          <a:xfrm>
-            <a:off x="5337086" y="4849573"/>
-            <a:ext cx="4589602" cy="0"/>
-          </a:xfrm>
-          <a:prstGeom prst="line">
-            <a:avLst/>
-          </a:prstGeom>
-          <a:ln w="12700"/>
-        </p:spPr>
-        <p:style>
-          <a:lnRef idx="1">
-            <a:schemeClr val="accent1"/>
-          </a:lnRef>
-          <a:fillRef idx="0">
-            <a:schemeClr val="accent1"/>
-          </a:fillRef>
-          <a:effectRef idx="0">
-            <a:schemeClr val="accent1"/>
-          </a:effectRef>
-          <a:fontRef idx="minor">
-            <a:schemeClr val="tx1"/>
-          </a:fontRef>
-        </p:style>
-      </p:cxnSp>
-      <p:cxnSp>
-        <p:nvCxnSpPr>
-          <p:cNvPr id="16" name="Straight Connector 15">
-            <a:extLst>
-              <a:ext uri="{FF2B5EF4-FFF2-40B4-BE49-F238E27FC236}">
-                <a16:creationId xmlns:a16="http://schemas.microsoft.com/office/drawing/2014/main" id="{6463A813-13CF-5041-B63E-27397157BC9F}"/>
-              </a:ext>
-            </a:extLst>
-          </p:cNvPr>
-          <p:cNvCxnSpPr>
-            <a:cxnSpLocks/>
-            <a:endCxn id="6" idx="1"/>
-          </p:cNvCxnSpPr>
-          <p:nvPr/>
-        </p:nvCxnSpPr>
-        <p:spPr>
-          <a:xfrm>
-            <a:off x="3197824" y="4849573"/>
-            <a:ext cx="347038" cy="0"/>
-          </a:xfrm>
-          <a:prstGeom prst="line">
-            <a:avLst/>
-          </a:prstGeom>
-          <a:ln w="25400"/>
-        </p:spPr>
-        <p:style>
-          <a:lnRef idx="1">
-            <a:schemeClr val="accent1"/>
-          </a:lnRef>
-          <a:fillRef idx="0">
-            <a:schemeClr val="accent1"/>
-          </a:fillRef>
-          <a:effectRef idx="0">
-            <a:schemeClr val="accent1"/>
-          </a:effectRef>
-          <a:fontRef idx="minor">
-            <a:schemeClr val="tx1"/>
-          </a:fontRef>
-        </p:style>
-      </p:cxnSp>
-      <p:cxnSp>
-        <p:nvCxnSpPr>
-          <p:cNvPr id="19" name="Straight Connector 18">
-            <a:extLst>
-              <a:ext uri="{FF2B5EF4-FFF2-40B4-BE49-F238E27FC236}">
-                <a16:creationId xmlns:a16="http://schemas.microsoft.com/office/drawing/2014/main" id="{FD2D4F99-AA9B-394A-9092-07FCFA919070}"/>
-              </a:ext>
-            </a:extLst>
-          </p:cNvPr>
-          <p:cNvCxnSpPr>
-            <a:cxnSpLocks/>
-            <a:endCxn id="5" idx="1"/>
-          </p:cNvCxnSpPr>
-          <p:nvPr/>
-        </p:nvCxnSpPr>
-        <p:spPr>
-          <a:xfrm flipV="1">
-            <a:off x="3197824" y="3901645"/>
-            <a:ext cx="347038" cy="2524"/>
-          </a:xfrm>
-          <a:prstGeom prst="line">
-            <a:avLst/>
-          </a:prstGeom>
-          <a:ln w="25400"/>
-        </p:spPr>
-        <p:style>
-          <a:lnRef idx="1">
-            <a:schemeClr val="accent1"/>
-          </a:lnRef>
-          <a:fillRef idx="0">
-            <a:schemeClr val="accent1"/>
-          </a:fillRef>
-          <a:effectRef idx="0">
-            <a:schemeClr val="accent1"/>
-          </a:effectRef>
-          <a:fontRef idx="minor">
-            <a:schemeClr val="tx1"/>
-          </a:fontRef>
-        </p:style>
-      </p:cxnSp>
-      <p:cxnSp>
-        <p:nvCxnSpPr>
-          <p:cNvPr id="20" name="Straight Connector 19">
-            <a:extLst>
-              <a:ext uri="{FF2B5EF4-FFF2-40B4-BE49-F238E27FC236}">
-                <a16:creationId xmlns:a16="http://schemas.microsoft.com/office/drawing/2014/main" id="{8458C984-775B-3E4C-8E31-AD7AD3360C3E}"/>
-              </a:ext>
-            </a:extLst>
-          </p:cNvPr>
-          <p:cNvCxnSpPr>
-            <a:cxnSpLocks/>
-            <a:endCxn id="4" idx="1"/>
-          </p:cNvCxnSpPr>
-          <p:nvPr/>
-        </p:nvCxnSpPr>
-        <p:spPr>
-          <a:xfrm>
-            <a:off x="3197824" y="3285949"/>
-            <a:ext cx="347038" cy="0"/>
-          </a:xfrm>
-          <a:prstGeom prst="line">
-            <a:avLst/>
-          </a:prstGeom>
-          <a:ln w="25400"/>
-        </p:spPr>
-        <p:style>
-          <a:lnRef idx="1">
-            <a:schemeClr val="accent1"/>
-          </a:lnRef>
-          <a:fillRef idx="0">
-            <a:schemeClr val="accent1"/>
-          </a:fillRef>
-          <a:effectRef idx="0">
-            <a:schemeClr val="accent1"/>
-          </a:effectRef>
-          <a:fontRef idx="minor">
-            <a:schemeClr val="tx1"/>
-          </a:fontRef>
-        </p:style>
-      </p:cxnSp>
-      <p:cxnSp>
-        <p:nvCxnSpPr>
-          <p:cNvPr id="27" name="Straight Connector 26">
-            <a:extLst>
-              <a:ext uri="{FF2B5EF4-FFF2-40B4-BE49-F238E27FC236}">
-                <a16:creationId xmlns:a16="http://schemas.microsoft.com/office/drawing/2014/main" id="{0B792A91-9069-FC4A-8AD2-DFF56C986D63}"/>
-              </a:ext>
-            </a:extLst>
-          </p:cNvPr>
-          <p:cNvCxnSpPr>
-            <a:cxnSpLocks/>
-            <a:stCxn id="26" idx="1"/>
-          </p:cNvCxnSpPr>
-          <p:nvPr/>
-        </p:nvCxnSpPr>
-        <p:spPr>
-          <a:xfrm flipV="1">
-            <a:off x="1827488" y="3285950"/>
-            <a:ext cx="1370336" cy="711968"/>
-          </a:xfrm>
-          <a:prstGeom prst="line">
-            <a:avLst/>
-          </a:prstGeom>
-          <a:ln w="25400"/>
-        </p:spPr>
-        <p:style>
-          <a:lnRef idx="1">
-            <a:schemeClr val="accent1"/>
-          </a:lnRef>
-          <a:fillRef idx="0">
-            <a:schemeClr val="accent1"/>
-          </a:fillRef>
-          <a:effectRef idx="0">
-            <a:schemeClr val="accent1"/>
-          </a:effectRef>
-          <a:fontRef idx="minor">
-            <a:schemeClr val="tx1"/>
-          </a:fontRef>
-        </p:style>
-      </p:cxnSp>
-      <p:cxnSp>
-        <p:nvCxnSpPr>
-          <p:cNvPr id="31" name="Straight Connector 30">
-            <a:extLst>
-              <a:ext uri="{FF2B5EF4-FFF2-40B4-BE49-F238E27FC236}">
-                <a16:creationId xmlns:a16="http://schemas.microsoft.com/office/drawing/2014/main" id="{7EF90DCC-BD40-0E4B-A3E4-C076C6F319E0}"/>
-              </a:ext>
-            </a:extLst>
-          </p:cNvPr>
-          <p:cNvCxnSpPr>
-            <a:cxnSpLocks/>
-            <a:stCxn id="26" idx="1"/>
-          </p:cNvCxnSpPr>
-          <p:nvPr/>
-        </p:nvCxnSpPr>
-        <p:spPr>
-          <a:xfrm flipV="1">
-            <a:off x="1827488" y="3901646"/>
-            <a:ext cx="1370336" cy="96272"/>
-          </a:xfrm>
-          <a:prstGeom prst="line">
-            <a:avLst/>
-          </a:prstGeom>
-          <a:ln w="25400"/>
-        </p:spPr>
-        <p:style>
-          <a:lnRef idx="1">
-            <a:schemeClr val="accent1"/>
-          </a:lnRef>
-          <a:fillRef idx="0">
-            <a:schemeClr val="accent1"/>
-          </a:fillRef>
-          <a:effectRef idx="0">
-            <a:schemeClr val="accent1"/>
-          </a:effectRef>
-          <a:fontRef idx="minor">
-            <a:schemeClr val="tx1"/>
-          </a:fontRef>
-        </p:style>
-      </p:cxnSp>
-      <p:cxnSp>
-        <p:nvCxnSpPr>
-          <p:cNvPr id="34" name="Straight Connector 33">
-            <a:extLst>
-              <a:ext uri="{FF2B5EF4-FFF2-40B4-BE49-F238E27FC236}">
-                <a16:creationId xmlns:a16="http://schemas.microsoft.com/office/drawing/2014/main" id="{67E83535-0C07-0344-9FF8-17C58092BB0B}"/>
-              </a:ext>
-            </a:extLst>
-          </p:cNvPr>
-          <p:cNvCxnSpPr>
-            <a:cxnSpLocks/>
-            <a:stCxn id="26" idx="1"/>
-          </p:cNvCxnSpPr>
-          <p:nvPr/>
-        </p:nvCxnSpPr>
-        <p:spPr>
-          <a:xfrm>
-            <a:off x="1827488" y="3997918"/>
-            <a:ext cx="1370336" cy="851655"/>
-          </a:xfrm>
-          <a:prstGeom prst="line">
-            <a:avLst/>
-          </a:prstGeom>
-          <a:ln w="25400"/>
-        </p:spPr>
-        <p:style>
-          <a:lnRef idx="1">
-            <a:schemeClr val="accent1"/>
-          </a:lnRef>
-          <a:fillRef idx="0">
-            <a:schemeClr val="accent1"/>
-          </a:fillRef>
-          <a:effectRef idx="0">
-            <a:schemeClr val="accent1"/>
-          </a:effectRef>
-          <a:fontRef idx="minor">
-            <a:schemeClr val="tx1"/>
-          </a:fontRef>
-        </p:style>
-      </p:cxnSp>
-      <p:pic>
-        <p:nvPicPr>
-          <p:cNvPr id="26" name="Picture 25" descr="Generic_logical Router.png">
-            <a:extLst>
-              <a:ext uri="{FF2B5EF4-FFF2-40B4-BE49-F238E27FC236}">
-                <a16:creationId xmlns:a16="http://schemas.microsoft.com/office/drawing/2014/main" id="{4D78012F-FEB8-E047-AB9F-FF8D315CE7D3}"/>
-              </a:ext>
-            </a:extLst>
-          </p:cNvPr>
-          <p:cNvPicPr>
-            <a:picLocks noChangeAspect="1"/>
-          </p:cNvPicPr>
-          <p:nvPr/>
-        </p:nvPicPr>
-        <p:blipFill>
-          <a:blip r:embed="rId3">
-            <a:extLst>
-              <a:ext uri="{28A0092B-C50C-407E-A947-70E740481C1C}">
-                <a14:useLocalDpi xmlns:a14="http://schemas.microsoft.com/office/drawing/2010/main" val="0"/>
-              </a:ext>
-            </a:extLst>
-          </a:blip>
-          <a:stretch>
-            <a:fillRect/>
-          </a:stretch>
-        </p:blipFill>
-        <p:spPr>
-          <a:xfrm>
-            <a:off x="1827488" y="3523693"/>
-            <a:ext cx="948449" cy="948449"/>
-          </a:xfrm>
-          <a:prstGeom prst="rect">
-            <a:avLst/>
-          </a:prstGeom>
-        </p:spPr>
-      </p:pic>
-      <p:sp>
-        <p:nvSpPr>
-          <p:cNvPr id="37" name="Rectangle 36">
-            <a:extLst>
-              <a:ext uri="{FF2B5EF4-FFF2-40B4-BE49-F238E27FC236}">
-                <a16:creationId xmlns:a16="http://schemas.microsoft.com/office/drawing/2014/main" id="{D09FC69D-2554-6C4F-9FA2-8FB91B799E5F}"/>
-              </a:ext>
-            </a:extLst>
-          </p:cNvPr>
-          <p:cNvSpPr/>
-          <p:nvPr/>
-        </p:nvSpPr>
-        <p:spPr>
-          <a:xfrm>
-            <a:off x="6671838" y="2112123"/>
-            <a:ext cx="962443" cy="475488"/>
-          </a:xfrm>
-          <a:prstGeom prst="rect">
-            <a:avLst/>
-          </a:prstGeom>
-        </p:spPr>
-        <p:style>
-          <a:lnRef idx="2">
-            <a:schemeClr val="accent3">
-              <a:shade val="50000"/>
-            </a:schemeClr>
-          </a:lnRef>
-          <a:fillRef idx="1">
-            <a:schemeClr val="accent3"/>
-          </a:fillRef>
-          <a:effectRef idx="0">
-            <a:schemeClr val="accent3"/>
-          </a:effectRef>
-          <a:fontRef idx="minor">
-            <a:schemeClr val="lt1"/>
-          </a:fontRef>
-        </p:style>
-        <p:txBody>
-          <a:bodyPr rtlCol="0" anchor="ctr"/>
-          <a:lstStyle/>
-          <a:p>
-            <a:pPr algn="ctr"/>
-            <a:r>
-              <a:rPr lang="en-US" dirty="0"/>
-              <a:t>jroutes</a:t>
-            </a:r>
-          </a:p>
-        </p:txBody>
-      </p:sp>
-      <p:cxnSp>
-        <p:nvCxnSpPr>
-          <p:cNvPr id="38" name="Straight Connector 37">
-            <a:extLst>
-              <a:ext uri="{FF2B5EF4-FFF2-40B4-BE49-F238E27FC236}">
-                <a16:creationId xmlns:a16="http://schemas.microsoft.com/office/drawing/2014/main" id="{9B55CC6A-208E-234F-89A5-1405DBF1D0ED}"/>
-              </a:ext>
-            </a:extLst>
-          </p:cNvPr>
-          <p:cNvCxnSpPr>
-            <a:cxnSpLocks/>
-            <a:stCxn id="7" idx="3"/>
-            <a:endCxn id="37" idx="1"/>
-          </p:cNvCxnSpPr>
-          <p:nvPr/>
-        </p:nvCxnSpPr>
-        <p:spPr>
-          <a:xfrm>
-            <a:off x="5337086" y="2349867"/>
-            <a:ext cx="1334752" cy="0"/>
-          </a:xfrm>
-          <a:prstGeom prst="line">
-            <a:avLst/>
-          </a:prstGeom>
-          <a:ln w="12700">
-            <a:solidFill>
-              <a:schemeClr val="accent6"/>
-            </a:solidFill>
-            <a:prstDash val="dash"/>
-            <a:tailEnd type="arrow"/>
-          </a:ln>
-        </p:spPr>
-        <p:style>
-          <a:lnRef idx="1">
-            <a:schemeClr val="accent1"/>
-          </a:lnRef>
-          <a:fillRef idx="0">
-            <a:schemeClr val="accent1"/>
-          </a:fillRef>
-          <a:effectRef idx="0">
-            <a:schemeClr val="accent1"/>
-          </a:effectRef>
-          <a:fontRef idx="minor">
-            <a:schemeClr val="tx1"/>
-          </a:fontRef>
-        </p:style>
-      </p:cxnSp>
-      <p:cxnSp>
-        <p:nvCxnSpPr>
-          <p:cNvPr id="45" name="Straight Connector 44">
-            <a:extLst>
-              <a:ext uri="{FF2B5EF4-FFF2-40B4-BE49-F238E27FC236}">
-                <a16:creationId xmlns:a16="http://schemas.microsoft.com/office/drawing/2014/main" id="{EE7822B5-07BC-5D43-82EA-9D26126279B6}"/>
-              </a:ext>
-            </a:extLst>
-          </p:cNvPr>
-          <p:cNvCxnSpPr>
-            <a:cxnSpLocks/>
-          </p:cNvCxnSpPr>
-          <p:nvPr/>
-        </p:nvCxnSpPr>
-        <p:spPr>
-          <a:xfrm>
-            <a:off x="7638804" y="2433556"/>
-            <a:ext cx="1930937" cy="0"/>
-          </a:xfrm>
-          <a:prstGeom prst="line">
-            <a:avLst/>
-          </a:prstGeom>
-          <a:ln w="12700">
-            <a:prstDash val="dash"/>
-            <a:tailEnd type="arrow"/>
-          </a:ln>
-        </p:spPr>
-        <p:style>
-          <a:lnRef idx="1">
-            <a:schemeClr val="accent1"/>
-          </a:lnRef>
-          <a:fillRef idx="0">
-            <a:schemeClr val="accent1"/>
-          </a:fillRef>
-          <a:effectRef idx="0">
-            <a:schemeClr val="accent1"/>
-          </a:effectRef>
-          <a:fontRef idx="minor">
-            <a:schemeClr val="tx1"/>
-          </a:fontRef>
-        </p:style>
-      </p:cxnSp>
-      <p:cxnSp>
-        <p:nvCxnSpPr>
-          <p:cNvPr id="47" name="Straight Connector 46">
-            <a:extLst>
-              <a:ext uri="{FF2B5EF4-FFF2-40B4-BE49-F238E27FC236}">
-                <a16:creationId xmlns:a16="http://schemas.microsoft.com/office/drawing/2014/main" id="{BC0F0EF1-6F30-844C-86F7-A67040378CF1}"/>
-              </a:ext>
-            </a:extLst>
-          </p:cNvPr>
-          <p:cNvCxnSpPr>
-            <a:cxnSpLocks/>
-          </p:cNvCxnSpPr>
-          <p:nvPr/>
-        </p:nvCxnSpPr>
-        <p:spPr>
-          <a:xfrm flipH="1" flipV="1">
-            <a:off x="7638805" y="2308226"/>
-            <a:ext cx="1930936" cy="6458"/>
-          </a:xfrm>
-          <a:prstGeom prst="line">
-            <a:avLst/>
-          </a:prstGeom>
-          <a:ln w="12700">
-            <a:prstDash val="dash"/>
-            <a:tailEnd type="arrow"/>
-          </a:ln>
-        </p:spPr>
-        <p:style>
-          <a:lnRef idx="1">
-            <a:schemeClr val="accent1"/>
-          </a:lnRef>
-          <a:fillRef idx="0">
-            <a:schemeClr val="accent1"/>
-          </a:fillRef>
-          <a:effectRef idx="0">
-            <a:schemeClr val="accent1"/>
-          </a:effectRef>
-          <a:fontRef idx="minor">
-            <a:schemeClr val="tx1"/>
-          </a:fontRef>
-        </p:style>
-      </p:cxnSp>
-      <p:sp>
-        <p:nvSpPr>
-          <p:cNvPr id="51" name="Document 50">
-            <a:extLst>
-              <a:ext uri="{FF2B5EF4-FFF2-40B4-BE49-F238E27FC236}">
-                <a16:creationId xmlns:a16="http://schemas.microsoft.com/office/drawing/2014/main" id="{255D240B-A9B9-A946-B3E2-28DE843DA824}"/>
-              </a:ext>
-            </a:extLst>
-          </p:cNvPr>
-          <p:cNvSpPr/>
-          <p:nvPr/>
-        </p:nvSpPr>
-        <p:spPr>
-          <a:xfrm>
-            <a:off x="3666059" y="1364808"/>
-            <a:ext cx="1549830" cy="475488"/>
-          </a:xfrm>
-          <a:prstGeom prst="flowChartDocument">
-            <a:avLst/>
-          </a:prstGeom>
-        </p:spPr>
-        <p:style>
-          <a:lnRef idx="2">
-            <a:schemeClr val="accent6">
-              <a:shade val="50000"/>
-            </a:schemeClr>
-          </a:lnRef>
-          <a:fillRef idx="1">
-            <a:schemeClr val="accent6"/>
-          </a:fillRef>
-          <a:effectRef idx="0">
-            <a:schemeClr val="accent6"/>
-          </a:effectRef>
-          <a:fontRef idx="minor">
-            <a:schemeClr val="lt1"/>
-          </a:fontRef>
-        </p:style>
-        <p:txBody>
-          <a:bodyPr rtlCol="0" anchor="ctr"/>
-          <a:lstStyle/>
-          <a:p>
-            <a:pPr algn="ctr"/>
-            <a:r>
-              <a:rPr lang="en-US" dirty="0"/>
-              <a:t>Snabb config</a:t>
-            </a:r>
-          </a:p>
-        </p:txBody>
-      </p:sp>
-      <p:cxnSp>
-        <p:nvCxnSpPr>
-          <p:cNvPr id="52" name="Straight Connector 51">
-            <a:extLst>
-              <a:ext uri="{FF2B5EF4-FFF2-40B4-BE49-F238E27FC236}">
-                <a16:creationId xmlns:a16="http://schemas.microsoft.com/office/drawing/2014/main" id="{393C0CA4-0392-3348-9958-4AA55175D813}"/>
-              </a:ext>
-            </a:extLst>
-          </p:cNvPr>
-          <p:cNvCxnSpPr>
-            <a:cxnSpLocks/>
-            <a:stCxn id="51" idx="2"/>
-            <a:endCxn id="7" idx="0"/>
-          </p:cNvCxnSpPr>
-          <p:nvPr/>
-        </p:nvCxnSpPr>
-        <p:spPr>
-          <a:xfrm>
-            <a:off x="4440974" y="1808861"/>
-            <a:ext cx="0" cy="303262"/>
-          </a:xfrm>
-          <a:prstGeom prst="line">
-            <a:avLst/>
-          </a:prstGeom>
-          <a:ln w="12700">
-            <a:solidFill>
-              <a:schemeClr val="accent6"/>
-            </a:solidFill>
-            <a:prstDash val="dash"/>
-            <a:tailEnd type="arrow"/>
-          </a:ln>
-        </p:spPr>
-        <p:style>
-          <a:lnRef idx="1">
-            <a:schemeClr val="accent1"/>
-          </a:lnRef>
-          <a:fillRef idx="0">
-            <a:schemeClr val="accent1"/>
-          </a:fillRef>
-          <a:effectRef idx="0">
-            <a:schemeClr val="accent1"/>
-          </a:effectRef>
-          <a:fontRef idx="minor">
-            <a:schemeClr val="tx1"/>
-          </a:fontRef>
-        </p:style>
-      </p:cxnSp>
-      <p:sp>
-        <p:nvSpPr>
-          <p:cNvPr id="55" name="TextBox 54">
-            <a:extLst>
-              <a:ext uri="{FF2B5EF4-FFF2-40B4-BE49-F238E27FC236}">
-                <a16:creationId xmlns:a16="http://schemas.microsoft.com/office/drawing/2014/main" id="{202D08E1-1BF1-DE4E-A2D0-ED88E90BB5BA}"/>
-              </a:ext>
-            </a:extLst>
-          </p:cNvPr>
-          <p:cNvSpPr txBox="1"/>
-          <p:nvPr/>
-        </p:nvSpPr>
-        <p:spPr>
-          <a:xfrm>
-            <a:off x="7942484" y="2433556"/>
-            <a:ext cx="1312988" cy="461665"/>
-          </a:xfrm>
-          <a:prstGeom prst="rect">
-            <a:avLst/>
-          </a:prstGeom>
-          <a:noFill/>
-        </p:spPr>
-        <p:txBody>
-          <a:bodyPr wrap="none" rtlCol="0">
-            <a:spAutoFit/>
-          </a:bodyPr>
-          <a:lstStyle/>
-          <a:p>
-            <a:pPr algn="ctr"/>
-            <a:r>
-              <a:rPr lang="en-US" sz="1200" dirty="0">
-                <a:solidFill>
-                  <a:schemeClr val="tx2"/>
-                </a:solidFill>
-              </a:rPr>
-              <a:t>BGP ECMP Routes</a:t>
-            </a:r>
-            <a:br>
-              <a:rPr lang="en-US" sz="1200" dirty="0">
-                <a:solidFill>
-                  <a:schemeClr val="tx2"/>
-                </a:solidFill>
-              </a:rPr>
-            </a:br>
-            <a:r>
-              <a:rPr lang="en-US" sz="1200" dirty="0">
-                <a:solidFill>
-                  <a:schemeClr val="tx2"/>
-                </a:solidFill>
-              </a:rPr>
-              <a:t>(gRPC)</a:t>
-            </a:r>
-          </a:p>
-        </p:txBody>
-      </p:sp>
-      <p:sp>
-        <p:nvSpPr>
-          <p:cNvPr id="61" name="TextBox 60">
-            <a:extLst>
-              <a:ext uri="{FF2B5EF4-FFF2-40B4-BE49-F238E27FC236}">
-                <a16:creationId xmlns:a16="http://schemas.microsoft.com/office/drawing/2014/main" id="{597DD0FD-A599-8648-9C14-C33E54D5F73C}"/>
-              </a:ext>
-            </a:extLst>
-          </p:cNvPr>
-          <p:cNvSpPr txBox="1"/>
-          <p:nvPr/>
-        </p:nvSpPr>
-        <p:spPr>
-          <a:xfrm>
-            <a:off x="7881538" y="1847632"/>
-            <a:ext cx="1434880" cy="461665"/>
-          </a:xfrm>
-          <a:prstGeom prst="rect">
-            <a:avLst/>
-          </a:prstGeom>
-          <a:noFill/>
-        </p:spPr>
-        <p:txBody>
-          <a:bodyPr wrap="none" rtlCol="0">
-            <a:spAutoFit/>
-          </a:bodyPr>
-          <a:lstStyle/>
-          <a:p>
-            <a:pPr algn="ctr"/>
-            <a:r>
-              <a:rPr lang="en-US" sz="1200" dirty="0">
-                <a:solidFill>
-                  <a:schemeClr val="tx2"/>
-                </a:solidFill>
-              </a:rPr>
-              <a:t>BFD Events &amp; Status</a:t>
-            </a:r>
-          </a:p>
-          <a:p>
-            <a:pPr algn="ctr"/>
-            <a:r>
-              <a:rPr lang="en-US" sz="1200" dirty="0">
-                <a:solidFill>
-                  <a:schemeClr val="tx2"/>
-                </a:solidFill>
-              </a:rPr>
-              <a:t>(MQTT &amp; NETCONF)</a:t>
-            </a:r>
-          </a:p>
-        </p:txBody>
-      </p:sp>
-      <p:cxnSp>
-        <p:nvCxnSpPr>
-          <p:cNvPr id="73" name="Straight Connector 72">
-            <a:extLst>
-              <a:ext uri="{FF2B5EF4-FFF2-40B4-BE49-F238E27FC236}">
-                <a16:creationId xmlns:a16="http://schemas.microsoft.com/office/drawing/2014/main" id="{EDE8D5D4-DB64-8F48-A9E7-1362E53AD0AA}"/>
-              </a:ext>
-            </a:extLst>
-          </p:cNvPr>
-          <p:cNvCxnSpPr>
-            <a:cxnSpLocks/>
-            <a:stCxn id="80" idx="2"/>
-            <a:endCxn id="8" idx="0"/>
-          </p:cNvCxnSpPr>
-          <p:nvPr/>
-        </p:nvCxnSpPr>
-        <p:spPr>
-          <a:xfrm>
-            <a:off x="10465853" y="1808861"/>
-            <a:ext cx="0" cy="248451"/>
-          </a:xfrm>
-          <a:prstGeom prst="line">
-            <a:avLst/>
-          </a:prstGeom>
-          <a:ln w="12700">
-            <a:solidFill>
-              <a:schemeClr val="tx2"/>
-            </a:solidFill>
-            <a:prstDash val="dash"/>
-            <a:tailEnd type="arrow"/>
-          </a:ln>
-        </p:spPr>
-        <p:style>
-          <a:lnRef idx="1">
-            <a:schemeClr val="accent1"/>
-          </a:lnRef>
-          <a:fillRef idx="0">
-            <a:schemeClr val="accent1"/>
-          </a:fillRef>
-          <a:effectRef idx="0">
-            <a:schemeClr val="accent1"/>
-          </a:effectRef>
-          <a:fontRef idx="minor">
-            <a:schemeClr val="tx1"/>
-          </a:fontRef>
-        </p:style>
-      </p:cxnSp>
-      <p:sp>
-        <p:nvSpPr>
-          <p:cNvPr id="80" name="Document 79">
-            <a:extLst>
-              <a:ext uri="{FF2B5EF4-FFF2-40B4-BE49-F238E27FC236}">
-                <a16:creationId xmlns:a16="http://schemas.microsoft.com/office/drawing/2014/main" id="{C321BF8C-7C32-FC4C-BC37-E22CEB019E75}"/>
-              </a:ext>
-            </a:extLst>
-          </p:cNvPr>
-          <p:cNvSpPr/>
-          <p:nvPr/>
-        </p:nvSpPr>
-        <p:spPr>
-          <a:xfrm>
-            <a:off x="9690938" y="1364808"/>
-            <a:ext cx="1549830" cy="475488"/>
-          </a:xfrm>
-          <a:prstGeom prst="flowChartDocument">
-            <a:avLst/>
-          </a:prstGeom>
-          <a:solidFill>
-            <a:schemeClr val="tx2"/>
-          </a:solidFill>
-        </p:spPr>
-        <p:style>
-          <a:lnRef idx="2">
-            <a:schemeClr val="accent6">
-              <a:shade val="50000"/>
-            </a:schemeClr>
-          </a:lnRef>
-          <a:fillRef idx="1">
-            <a:schemeClr val="accent6"/>
-          </a:fillRef>
-          <a:effectRef idx="0">
-            <a:schemeClr val="accent6"/>
-          </a:effectRef>
-          <a:fontRef idx="minor">
-            <a:schemeClr val="lt1"/>
-          </a:fontRef>
-        </p:style>
-        <p:txBody>
-          <a:bodyPr rtlCol="0" anchor="ctr"/>
-          <a:lstStyle/>
-          <a:p>
-            <a:pPr algn="ctr"/>
-            <a:r>
-              <a:rPr lang="en-US" dirty="0"/>
-              <a:t>Junos config</a:t>
-            </a:r>
-          </a:p>
-        </p:txBody>
-      </p:sp>
-      <p:sp>
-        <p:nvSpPr>
-          <p:cNvPr id="82" name="TextBox 81">
-            <a:extLst>
-              <a:ext uri="{FF2B5EF4-FFF2-40B4-BE49-F238E27FC236}">
-                <a16:creationId xmlns:a16="http://schemas.microsoft.com/office/drawing/2014/main" id="{D70E2C90-07A4-7A48-99F1-B09592337F53}"/>
-              </a:ext>
-            </a:extLst>
-          </p:cNvPr>
-          <p:cNvSpPr txBox="1"/>
-          <p:nvPr/>
-        </p:nvSpPr>
-        <p:spPr>
-          <a:xfrm>
-            <a:off x="5349441" y="1885769"/>
-            <a:ext cx="1358449" cy="461665"/>
-          </a:xfrm>
-          <a:prstGeom prst="rect">
-            <a:avLst/>
-          </a:prstGeom>
-          <a:noFill/>
-        </p:spPr>
-        <p:txBody>
-          <a:bodyPr wrap="none" rtlCol="0">
-            <a:spAutoFit/>
-          </a:bodyPr>
-          <a:lstStyle/>
-          <a:p>
-            <a:pPr algn="ctr"/>
-            <a:r>
-              <a:rPr lang="en-US" sz="1200" dirty="0">
-                <a:solidFill>
-                  <a:schemeClr val="tx2"/>
-                </a:solidFill>
-              </a:rPr>
-              <a:t>Get runtime config</a:t>
-            </a:r>
-            <a:br>
-              <a:rPr lang="en-US" sz="1200" dirty="0">
-                <a:solidFill>
-                  <a:schemeClr val="tx2"/>
-                </a:solidFill>
-              </a:rPr>
-            </a:br>
-            <a:r>
-              <a:rPr lang="en-US" sz="1200" dirty="0">
-                <a:solidFill>
-                  <a:schemeClr val="tx2"/>
-                </a:solidFill>
-              </a:rPr>
-              <a:t>(yang format)</a:t>
-            </a:r>
-          </a:p>
-        </p:txBody>
-      </p:sp>
-      <p:sp>
-        <p:nvSpPr>
-          <p:cNvPr id="8" name="Rectangle 7">
-            <a:extLst>
-              <a:ext uri="{FF2B5EF4-FFF2-40B4-BE49-F238E27FC236}">
-                <a16:creationId xmlns:a16="http://schemas.microsoft.com/office/drawing/2014/main" id="{D7014436-132E-4746-80C3-83893783F25C}"/>
-              </a:ext>
-            </a:extLst>
-          </p:cNvPr>
-          <p:cNvSpPr/>
-          <p:nvPr/>
-        </p:nvSpPr>
-        <p:spPr>
-          <a:xfrm>
-            <a:off x="9569741" y="2057312"/>
-            <a:ext cx="1792224" cy="3069257"/>
-          </a:xfrm>
-          <a:prstGeom prst="rect">
-            <a:avLst/>
-          </a:prstGeom>
-          <a:solidFill>
-            <a:schemeClr val="tx2"/>
-          </a:solidFill>
-        </p:spPr>
-        <p:style>
-          <a:lnRef idx="2">
-            <a:schemeClr val="accent1">
-              <a:shade val="50000"/>
-            </a:schemeClr>
-          </a:lnRef>
-          <a:fillRef idx="1">
-            <a:schemeClr val="accent1"/>
-          </a:fillRef>
-          <a:effectRef idx="0">
-            <a:schemeClr val="accent1"/>
-          </a:effectRef>
-          <a:fontRef idx="minor">
-            <a:schemeClr val="lt1"/>
-          </a:fontRef>
-        </p:style>
-        <p:txBody>
-          <a:bodyPr rtlCol="0" anchor="ctr"/>
-          <a:lstStyle/>
-          <a:p>
-            <a:pPr algn="ctr"/>
-            <a:r>
-              <a:rPr lang="en-US" dirty="0"/>
-              <a:t>Juniper</a:t>
-            </a:r>
-          </a:p>
-          <a:p>
-            <a:pPr algn="ctr"/>
-            <a:r>
-              <a:rPr lang="en-US" dirty="0"/>
-              <a:t>vMX</a:t>
-            </a:r>
-          </a:p>
-        </p:txBody>
-      </p:sp>
-      <p:sp>
-        <p:nvSpPr>
-          <p:cNvPr id="84" name="TextBox 83">
-            <a:extLst>
-              <a:ext uri="{FF2B5EF4-FFF2-40B4-BE49-F238E27FC236}">
-                <a16:creationId xmlns:a16="http://schemas.microsoft.com/office/drawing/2014/main" id="{547B03E3-87AE-044D-AD77-373846CF3D0C}"/>
-              </a:ext>
-            </a:extLst>
-          </p:cNvPr>
-          <p:cNvSpPr txBox="1"/>
-          <p:nvPr/>
-        </p:nvSpPr>
-        <p:spPr>
-          <a:xfrm>
-            <a:off x="6095018" y="3048205"/>
-            <a:ext cx="2721579" cy="276999"/>
-          </a:xfrm>
-          <a:prstGeom prst="rect">
-            <a:avLst/>
-          </a:prstGeom>
-          <a:noFill/>
-        </p:spPr>
-        <p:txBody>
-          <a:bodyPr wrap="none" rtlCol="0">
-            <a:spAutoFit/>
-          </a:bodyPr>
-          <a:lstStyle/>
-          <a:p>
-            <a:pPr algn="ctr"/>
-            <a:r>
-              <a:rPr lang="en-US" sz="1200" dirty="0">
-                <a:solidFill>
-                  <a:schemeClr val="tx2"/>
-                </a:solidFill>
-              </a:rPr>
-              <a:t>passthru-interface &lt;- (veth link) -&gt; 0/0/0 </a:t>
-            </a:r>
-          </a:p>
-        </p:txBody>
-      </p:sp>
-      <p:sp>
-        <p:nvSpPr>
-          <p:cNvPr id="85" name="TextBox 84">
-            <a:extLst>
-              <a:ext uri="{FF2B5EF4-FFF2-40B4-BE49-F238E27FC236}">
-                <a16:creationId xmlns:a16="http://schemas.microsoft.com/office/drawing/2014/main" id="{E98B7DD7-55A3-884A-959B-1792E273344D}"/>
-              </a:ext>
-            </a:extLst>
-          </p:cNvPr>
-          <p:cNvSpPr txBox="1"/>
-          <p:nvPr/>
-        </p:nvSpPr>
-        <p:spPr>
-          <a:xfrm>
-            <a:off x="6095018" y="3662194"/>
-            <a:ext cx="2721579" cy="276999"/>
-          </a:xfrm>
-          <a:prstGeom prst="rect">
-            <a:avLst/>
-          </a:prstGeom>
-          <a:noFill/>
-        </p:spPr>
-        <p:txBody>
-          <a:bodyPr wrap="none" rtlCol="0">
-            <a:spAutoFit/>
-          </a:bodyPr>
-          <a:lstStyle/>
-          <a:p>
-            <a:pPr algn="ctr"/>
-            <a:r>
-              <a:rPr lang="en-US" sz="1200" dirty="0">
-                <a:solidFill>
-                  <a:schemeClr val="tx2"/>
-                </a:solidFill>
-              </a:rPr>
-              <a:t>passthru-interface &lt;- (veth link) -&gt; 0/0/1 </a:t>
-            </a:r>
-          </a:p>
-        </p:txBody>
-      </p:sp>
-      <p:sp>
-        <p:nvSpPr>
-          <p:cNvPr id="86" name="TextBox 85">
-            <a:extLst>
-              <a:ext uri="{FF2B5EF4-FFF2-40B4-BE49-F238E27FC236}">
-                <a16:creationId xmlns:a16="http://schemas.microsoft.com/office/drawing/2014/main" id="{3201C47F-ADBF-FE41-B8AD-DD01357BED13}"/>
-              </a:ext>
-            </a:extLst>
-          </p:cNvPr>
-          <p:cNvSpPr txBox="1"/>
-          <p:nvPr/>
-        </p:nvSpPr>
-        <p:spPr>
-          <a:xfrm>
-            <a:off x="6095018" y="4611829"/>
-            <a:ext cx="2721579" cy="276999"/>
-          </a:xfrm>
-          <a:prstGeom prst="rect">
-            <a:avLst/>
-          </a:prstGeom>
-          <a:noFill/>
-        </p:spPr>
-        <p:txBody>
-          <a:bodyPr wrap="none" rtlCol="0">
-            <a:spAutoFit/>
-          </a:bodyPr>
-          <a:lstStyle/>
-          <a:p>
-            <a:pPr algn="ctr"/>
-            <a:r>
-              <a:rPr lang="en-US" sz="1200" dirty="0">
-                <a:solidFill>
-                  <a:schemeClr val="tx2"/>
-                </a:solidFill>
-              </a:rPr>
-              <a:t>passthru-interface &lt;- (veth link) -&gt; 0/0/n </a:t>
-            </a:r>
-          </a:p>
-        </p:txBody>
-      </p:sp>
-      <p:sp>
-        <p:nvSpPr>
-          <p:cNvPr id="87" name="TextBox 86">
-            <a:extLst>
-              <a:ext uri="{FF2B5EF4-FFF2-40B4-BE49-F238E27FC236}">
-                <a16:creationId xmlns:a16="http://schemas.microsoft.com/office/drawing/2014/main" id="{51B60EFB-291F-0C44-AE92-A356EBFA32D8}"/>
-              </a:ext>
-            </a:extLst>
-          </p:cNvPr>
-          <p:cNvSpPr txBox="1"/>
-          <p:nvPr/>
-        </p:nvSpPr>
-        <p:spPr>
-          <a:xfrm>
-            <a:off x="3090205" y="3048204"/>
-            <a:ext cx="514885" cy="276999"/>
-          </a:xfrm>
-          <a:prstGeom prst="rect">
-            <a:avLst/>
-          </a:prstGeom>
-          <a:noFill/>
-        </p:spPr>
-        <p:txBody>
-          <a:bodyPr wrap="none" rtlCol="0">
-            <a:spAutoFit/>
-          </a:bodyPr>
-          <a:lstStyle/>
-          <a:p>
-            <a:pPr algn="ctr"/>
-            <a:r>
-              <a:rPr lang="en-US" sz="1200" dirty="0">
-                <a:solidFill>
-                  <a:schemeClr val="tx2"/>
-                </a:solidFill>
-              </a:rPr>
-              <a:t>10GE</a:t>
-            </a:r>
-          </a:p>
-        </p:txBody>
-      </p:sp>
-      <p:sp>
-        <p:nvSpPr>
-          <p:cNvPr id="88" name="TextBox 87">
-            <a:extLst>
-              <a:ext uri="{FF2B5EF4-FFF2-40B4-BE49-F238E27FC236}">
-                <a16:creationId xmlns:a16="http://schemas.microsoft.com/office/drawing/2014/main" id="{FC7DEAD1-551C-8145-932A-CAB4592EAD62}"/>
-              </a:ext>
-            </a:extLst>
-          </p:cNvPr>
-          <p:cNvSpPr txBox="1"/>
-          <p:nvPr/>
-        </p:nvSpPr>
-        <p:spPr>
-          <a:xfrm>
-            <a:off x="3090205" y="3659143"/>
-            <a:ext cx="514885" cy="276999"/>
-          </a:xfrm>
-          <a:prstGeom prst="rect">
-            <a:avLst/>
-          </a:prstGeom>
-          <a:noFill/>
-        </p:spPr>
-        <p:txBody>
-          <a:bodyPr wrap="none" rtlCol="0">
-            <a:spAutoFit/>
-          </a:bodyPr>
-          <a:lstStyle/>
-          <a:p>
-            <a:pPr algn="ctr"/>
-            <a:r>
-              <a:rPr lang="en-US" sz="1200" dirty="0">
-                <a:solidFill>
-                  <a:schemeClr val="tx2"/>
-                </a:solidFill>
-              </a:rPr>
-              <a:t>10GE</a:t>
-            </a:r>
-          </a:p>
-        </p:txBody>
-      </p:sp>
-      <p:sp>
-        <p:nvSpPr>
-          <p:cNvPr id="89" name="TextBox 88">
-            <a:extLst>
-              <a:ext uri="{FF2B5EF4-FFF2-40B4-BE49-F238E27FC236}">
-                <a16:creationId xmlns:a16="http://schemas.microsoft.com/office/drawing/2014/main" id="{39D57455-069E-724C-BD82-D9F020C8DCEF}"/>
-              </a:ext>
-            </a:extLst>
-          </p:cNvPr>
-          <p:cNvSpPr txBox="1"/>
-          <p:nvPr/>
-        </p:nvSpPr>
-        <p:spPr>
-          <a:xfrm>
-            <a:off x="3090205" y="4602873"/>
-            <a:ext cx="514885" cy="276999"/>
-          </a:xfrm>
-          <a:prstGeom prst="rect">
-            <a:avLst/>
-          </a:prstGeom>
-          <a:noFill/>
-        </p:spPr>
-        <p:txBody>
-          <a:bodyPr wrap="none" rtlCol="0">
-            <a:spAutoFit/>
-          </a:bodyPr>
-          <a:lstStyle/>
-          <a:p>
-            <a:pPr algn="ctr"/>
-            <a:r>
-              <a:rPr lang="en-US" sz="1200" dirty="0">
-                <a:solidFill>
-                  <a:schemeClr val="tx2"/>
-                </a:solidFill>
-              </a:rPr>
-              <a:t>10GE</a:t>
-            </a:r>
-          </a:p>
-        </p:txBody>
-      </p:sp>
-      <p:sp>
-        <p:nvSpPr>
-          <p:cNvPr id="92" name="TextBox 91">
-            <a:extLst>
-              <a:ext uri="{FF2B5EF4-FFF2-40B4-BE49-F238E27FC236}">
-                <a16:creationId xmlns:a16="http://schemas.microsoft.com/office/drawing/2014/main" id="{4FEFF8D6-7625-3746-8E65-B39764AB7E00}"/>
-              </a:ext>
-            </a:extLst>
-          </p:cNvPr>
-          <p:cNvSpPr txBox="1"/>
-          <p:nvPr/>
-        </p:nvSpPr>
-        <p:spPr>
-          <a:xfrm>
-            <a:off x="1902339" y="3187830"/>
-            <a:ext cx="798745" cy="369332"/>
-          </a:xfrm>
-          <a:prstGeom prst="rect">
-            <a:avLst/>
-          </a:prstGeom>
-          <a:noFill/>
-        </p:spPr>
-        <p:txBody>
-          <a:bodyPr wrap="none" rtlCol="0">
-            <a:spAutoFit/>
-          </a:bodyPr>
-          <a:lstStyle/>
-          <a:p>
-            <a:r>
-              <a:rPr lang="en-US" dirty="0"/>
-              <a:t>DCGW</a:t>
-            </a:r>
-          </a:p>
-        </p:txBody>
-      </p:sp>
-      <p:cxnSp>
-        <p:nvCxnSpPr>
-          <p:cNvPr id="96" name="Straight Connector 95">
-            <a:extLst>
-              <a:ext uri="{FF2B5EF4-FFF2-40B4-BE49-F238E27FC236}">
-                <a16:creationId xmlns:a16="http://schemas.microsoft.com/office/drawing/2014/main" id="{D7C9D8EA-5F98-1E4E-A2A7-91EBD711D1B2}"/>
-              </a:ext>
-            </a:extLst>
-          </p:cNvPr>
-          <p:cNvCxnSpPr>
-            <a:cxnSpLocks/>
-            <a:stCxn id="7" idx="2"/>
-            <a:endCxn id="4" idx="0"/>
-          </p:cNvCxnSpPr>
-          <p:nvPr/>
-        </p:nvCxnSpPr>
-        <p:spPr>
-          <a:xfrm>
-            <a:off x="4440974" y="2587611"/>
-            <a:ext cx="0" cy="460594"/>
-          </a:xfrm>
-          <a:prstGeom prst="line">
-            <a:avLst/>
-          </a:prstGeom>
-          <a:ln w="12700">
-            <a:solidFill>
-              <a:schemeClr val="accent6"/>
-            </a:solidFill>
-            <a:prstDash val="dash"/>
-            <a:tailEnd type="arrow"/>
-          </a:ln>
-        </p:spPr>
-        <p:style>
-          <a:lnRef idx="1">
-            <a:schemeClr val="accent1"/>
-          </a:lnRef>
-          <a:fillRef idx="0">
-            <a:schemeClr val="accent1"/>
-          </a:fillRef>
-          <a:effectRef idx="0">
-            <a:schemeClr val="accent1"/>
-          </a:effectRef>
-          <a:fontRef idx="minor">
-            <a:schemeClr val="tx1"/>
-          </a:fontRef>
-        </p:style>
-      </p:cxnSp>
-      <p:cxnSp>
-        <p:nvCxnSpPr>
-          <p:cNvPr id="99" name="Straight Connector 98">
-            <a:extLst>
-              <a:ext uri="{FF2B5EF4-FFF2-40B4-BE49-F238E27FC236}">
-                <a16:creationId xmlns:a16="http://schemas.microsoft.com/office/drawing/2014/main" id="{3F6F8EF2-440A-DB43-8F5B-0F9A67C9EBB2}"/>
-              </a:ext>
-            </a:extLst>
-          </p:cNvPr>
-          <p:cNvCxnSpPr>
-            <a:cxnSpLocks/>
-            <a:stCxn id="5" idx="2"/>
-            <a:endCxn id="6" idx="0"/>
-          </p:cNvCxnSpPr>
-          <p:nvPr/>
-        </p:nvCxnSpPr>
-        <p:spPr>
-          <a:xfrm>
-            <a:off x="4440974" y="4139389"/>
-            <a:ext cx="0" cy="472440"/>
-          </a:xfrm>
-          <a:prstGeom prst="line">
-            <a:avLst/>
-          </a:prstGeom>
-          <a:ln w="12700">
-            <a:solidFill>
-              <a:schemeClr val="accent6"/>
-            </a:solidFill>
-            <a:prstDash val="dash"/>
-            <a:tailEnd type="arrow"/>
-          </a:ln>
-        </p:spPr>
-        <p:style>
-          <a:lnRef idx="1">
-            <a:schemeClr val="accent1"/>
-          </a:lnRef>
-          <a:fillRef idx="0">
-            <a:schemeClr val="accent1"/>
-          </a:fillRef>
-          <a:effectRef idx="0">
-            <a:schemeClr val="accent1"/>
-          </a:effectRef>
-          <a:fontRef idx="minor">
-            <a:schemeClr val="tx1"/>
-          </a:fontRef>
-        </p:style>
-      </p:cxnSp>
-      <p:cxnSp>
-        <p:nvCxnSpPr>
-          <p:cNvPr id="102" name="Straight Connector 101">
-            <a:extLst>
-              <a:ext uri="{FF2B5EF4-FFF2-40B4-BE49-F238E27FC236}">
-                <a16:creationId xmlns:a16="http://schemas.microsoft.com/office/drawing/2014/main" id="{EBE00B31-2C2F-8048-98A8-31457E5907C9}"/>
-              </a:ext>
-            </a:extLst>
-          </p:cNvPr>
-          <p:cNvCxnSpPr>
-            <a:cxnSpLocks/>
-            <a:stCxn id="4" idx="2"/>
-            <a:endCxn id="5" idx="0"/>
-          </p:cNvCxnSpPr>
-          <p:nvPr/>
-        </p:nvCxnSpPr>
-        <p:spPr>
-          <a:xfrm>
-            <a:off x="4440974" y="3523693"/>
-            <a:ext cx="0" cy="140208"/>
-          </a:xfrm>
-          <a:prstGeom prst="line">
-            <a:avLst/>
-          </a:prstGeom>
-          <a:ln w="12700">
-            <a:solidFill>
-              <a:schemeClr val="accent6"/>
-            </a:solidFill>
-            <a:prstDash val="dash"/>
-            <a:tailEnd type="arrow"/>
-          </a:ln>
-        </p:spPr>
-        <p:style>
-          <a:lnRef idx="1">
-            <a:schemeClr val="accent1"/>
-          </a:lnRef>
-          <a:fillRef idx="0">
-            <a:schemeClr val="accent1"/>
-          </a:fillRef>
-          <a:effectRef idx="0">
-            <a:schemeClr val="accent1"/>
-          </a:effectRef>
-          <a:fontRef idx="minor">
-            <a:schemeClr val="tx1"/>
-          </a:fontRef>
-        </p:style>
-      </p:cxnSp>
-      <p:cxnSp>
-        <p:nvCxnSpPr>
-          <p:cNvPr id="2" name="Straight Arrow Connector 1">
-            <a:extLst>
-              <a:ext uri="{FF2B5EF4-FFF2-40B4-BE49-F238E27FC236}">
-                <a16:creationId xmlns:a16="http://schemas.microsoft.com/office/drawing/2014/main" id="{F0946BDF-BF92-904A-BB0F-646A9B4613B3}"/>
-              </a:ext>
-            </a:extLst>
-          </p:cNvPr>
-          <p:cNvCxnSpPr>
-            <a:cxnSpLocks/>
-          </p:cNvCxnSpPr>
-          <p:nvPr/>
-        </p:nvCxnSpPr>
-        <p:spPr>
-          <a:xfrm>
-            <a:off x="2414418" y="5503333"/>
-            <a:ext cx="8011277" cy="0"/>
-          </a:xfrm>
-          <a:prstGeom prst="straightConnector1">
-            <a:avLst/>
-          </a:prstGeom>
-          <a:ln w="9525" cap="flat" cmpd="sng" algn="ctr">
-            <a:solidFill>
-              <a:schemeClr val="accent3"/>
-            </a:solidFill>
-            <a:prstDash val="solid"/>
-            <a:round/>
-            <a:headEnd type="arrow" w="med" len="med"/>
-            <a:tailEnd type="arrow" w="med" len="med"/>
-          </a:ln>
-        </p:spPr>
-        <p:style>
-          <a:lnRef idx="0">
-            <a:scrgbClr r="0" g="0" b="0"/>
-          </a:lnRef>
-          <a:fillRef idx="0">
-            <a:scrgbClr r="0" g="0" b="0"/>
-          </a:fillRef>
-          <a:effectRef idx="0">
-            <a:scrgbClr r="0" g="0" b="0"/>
-          </a:effectRef>
-          <a:fontRef idx="minor">
-            <a:schemeClr val="tx1"/>
-          </a:fontRef>
-        </p:style>
-      </p:cxnSp>
-      <p:sp>
-        <p:nvSpPr>
-          <p:cNvPr id="18" name="TextBox 17">
-            <a:extLst>
-              <a:ext uri="{FF2B5EF4-FFF2-40B4-BE49-F238E27FC236}">
-                <a16:creationId xmlns:a16="http://schemas.microsoft.com/office/drawing/2014/main" id="{6B2F5410-D397-3F4E-9C20-514B4E47F818}"/>
-              </a:ext>
-            </a:extLst>
-          </p:cNvPr>
-          <p:cNvSpPr txBox="1"/>
-          <p:nvPr/>
-        </p:nvSpPr>
-        <p:spPr>
-          <a:xfrm>
-            <a:off x="4482841" y="5246114"/>
-            <a:ext cx="4377993" cy="276999"/>
-          </a:xfrm>
-          <a:prstGeom prst="rect">
-            <a:avLst/>
-          </a:prstGeom>
-          <a:noFill/>
-        </p:spPr>
-        <p:txBody>
-          <a:bodyPr wrap="none" rtlCol="0">
-            <a:spAutoFit/>
-          </a:bodyPr>
-          <a:lstStyle>
-            <a:defPPr>
-              <a:defRPr lang="en-US"/>
-            </a:defPPr>
-            <a:lvl1pPr algn="ctr">
-              <a:defRPr sz="1200">
-                <a:solidFill>
-                  <a:schemeClr val="tx2"/>
-                </a:solidFill>
-              </a:defRPr>
-            </a:lvl1pPr>
-          </a:lstStyle>
-          <a:p>
-            <a:r>
-              <a:rPr lang="en-US" dirty="0"/>
-              <a:t>BFD protected BGP sessions per interface between DCGW and vMX</a:t>
+              <a:t>Snabb worker</a:t>
             </a:r>
           </a:p>
         </p:txBody>
